--- a/docs/Lectures/Week12/Week12_Raster.pptx
+++ b/docs/Lectures/Week12/Week12_Raster.pptx
@@ -5,10 +5,10 @@
     <p:sldMasterId id="2147483685" r:id="rId1"/>
   </p:sldMasterIdLst>
   <p:notesMasterIdLst>
-    <p:notesMasterId r:id="rId20"/>
+    <p:notesMasterId r:id="rId21"/>
   </p:notesMasterIdLst>
   <p:handoutMasterIdLst>
-    <p:handoutMasterId r:id="rId21"/>
+    <p:handoutMasterId r:id="rId22"/>
   </p:handoutMasterIdLst>
   <p:sldIdLst>
     <p:sldId id="256" r:id="rId2"/>
@@ -19,16 +19,17 @@
     <p:sldId id="358" r:id="rId7"/>
     <p:sldId id="369" r:id="rId8"/>
     <p:sldId id="359" r:id="rId9"/>
-    <p:sldId id="360" r:id="rId10"/>
-    <p:sldId id="361" r:id="rId11"/>
-    <p:sldId id="365" r:id="rId12"/>
-    <p:sldId id="366" r:id="rId13"/>
-    <p:sldId id="362" r:id="rId14"/>
-    <p:sldId id="363" r:id="rId15"/>
-    <p:sldId id="364" r:id="rId16"/>
-    <p:sldId id="367" r:id="rId17"/>
-    <p:sldId id="368" r:id="rId18"/>
-    <p:sldId id="371" r:id="rId19"/>
+    <p:sldId id="372" r:id="rId10"/>
+    <p:sldId id="360" r:id="rId11"/>
+    <p:sldId id="361" r:id="rId12"/>
+    <p:sldId id="365" r:id="rId13"/>
+    <p:sldId id="366" r:id="rId14"/>
+    <p:sldId id="362" r:id="rId15"/>
+    <p:sldId id="363" r:id="rId16"/>
+    <p:sldId id="364" r:id="rId17"/>
+    <p:sldId id="367" r:id="rId18"/>
+    <p:sldId id="368" r:id="rId19"/>
+    <p:sldId id="371" r:id="rId20"/>
   </p:sldIdLst>
   <p:sldSz cx="12192000" cy="6858000"/>
   <p:notesSz cx="6858000" cy="9144000"/>
@@ -229,7 +230,7 @@
           <a:p>
             <a:fld id="{3AF106B3-F2DA-48D3-8BC9-D8AF4A5AEC52}" type="datetimeFigureOut">
               <a:rPr lang="en-US" smtClean="0"/>
-              <a:t>3/30/2025</a:t>
+              <a:t>3/31/2025</a:t>
             </a:fld>
             <a:endParaRPr lang="en-US"/>
           </a:p>
@@ -407,7 +408,7 @@
           <a:p>
             <a:fld id="{F12EB5DA-1790-4C4A-B092-095C6475A200}" type="datetimeFigureOut">
               <a:rPr lang="en-US" smtClean="0"/>
-              <a:t>3/30/2025</a:t>
+              <a:t>3/31/2025</a:t>
             </a:fld>
             <a:endParaRPr lang="en-US"/>
           </a:p>
@@ -912,7 +913,7 @@
           <a:p>
             <a:fld id="{ED291B17-9318-49DB-B28B-6E5994AE9581}" type="datetime1">
               <a:rPr lang="en-US" smtClean="0"/>
-              <a:t>3/30/2025</a:t>
+              <a:t>3/31/2025</a:t>
             </a:fld>
             <a:endParaRPr lang="en-US" dirty="0"/>
           </a:p>
@@ -1115,7 +1116,7 @@
           <a:p>
             <a:fld id="{2CED4963-E985-44C4-B8C4-FDD613B7C2F8}" type="datetime1">
               <a:rPr lang="en-US" smtClean="0"/>
-              <a:t>3/30/2025</a:t>
+              <a:t>3/31/2025</a:t>
             </a:fld>
             <a:endParaRPr lang="en-US" dirty="0"/>
           </a:p>
@@ -1476,7 +1477,7 @@
           <a:p>
             <a:fld id="{ED291B17-9318-49DB-B28B-6E5994AE9581}" type="datetime1">
               <a:rPr lang="en-US" smtClean="0"/>
-              <a:t>3/30/2025</a:t>
+              <a:t>3/31/2025</a:t>
             </a:fld>
             <a:endParaRPr lang="en-US" dirty="0"/>
           </a:p>
@@ -1672,7 +1673,7 @@
           <a:p>
             <a:fld id="{78DD82B9-B8EE-4375-B6FF-88FA6ABB15D9}" type="datetime1">
               <a:rPr lang="en-US" smtClean="0"/>
-              <a:t>3/30/2025</a:t>
+              <a:t>3/31/2025</a:t>
             </a:fld>
             <a:endParaRPr lang="en-US" dirty="0"/>
           </a:p>
@@ -1983,7 +1984,7 @@
           <a:p>
             <a:fld id="{B2497495-0637-405E-AE64-5CC7506D51F5}" type="datetime1">
               <a:rPr lang="en-US" smtClean="0"/>
-              <a:t>3/30/2025</a:t>
+              <a:t>3/31/2025</a:t>
             </a:fld>
             <a:endParaRPr lang="en-US" dirty="0"/>
           </a:p>
@@ -2233,7 +2234,7 @@
           <a:p>
             <a:fld id="{7BFFD690-9426-415D-8B65-26881E07B2D4}" type="datetime1">
               <a:rPr lang="en-US" smtClean="0"/>
-              <a:t>3/30/2025</a:t>
+              <a:t>3/31/2025</a:t>
             </a:fld>
             <a:endParaRPr lang="en-US" dirty="0"/>
           </a:p>
@@ -2652,7 +2653,7 @@
           <a:p>
             <a:fld id="{04C4989A-474C-40DE-95B9-011C28B71673}" type="datetime1">
               <a:rPr lang="en-US" smtClean="0"/>
-              <a:t>3/30/2025</a:t>
+              <a:t>3/31/2025</a:t>
             </a:fld>
             <a:endParaRPr lang="en-US" dirty="0"/>
           </a:p>
@@ -2774,7 +2775,7 @@
           <a:p>
             <a:fld id="{5DB4ED54-5B5E-4A04-93D3-5772E3CE3818}" type="datetime1">
               <a:rPr lang="en-US" smtClean="0"/>
-              <a:t>3/30/2025</a:t>
+              <a:t>3/31/2025</a:t>
             </a:fld>
             <a:endParaRPr lang="en-US" dirty="0"/>
           </a:p>
@@ -2869,7 +2870,7 @@
           <a:p>
             <a:fld id="{4EDE50D6-574B-40AF-946F-D52A04ADE379}" type="datetime1">
               <a:rPr lang="en-US" smtClean="0"/>
-              <a:t>3/30/2025</a:t>
+              <a:t>3/31/2025</a:t>
             </a:fld>
             <a:endParaRPr lang="en-US" dirty="0"/>
           </a:p>
@@ -3244,7 +3245,7 @@
           <a:p>
             <a:fld id="{D82884F1-FFEA-405F-9602-3DCA865EDA4E}" type="datetime1">
               <a:rPr lang="en-US" smtClean="0"/>
-              <a:t>3/30/2025</a:t>
+              <a:t>3/31/2025</a:t>
             </a:fld>
             <a:endParaRPr lang="en-US" dirty="0"/>
           </a:p>
@@ -3535,7 +3536,7 @@
           <a:p>
             <a:fld id="{7E18DB4A-8810-4A10-AD5C-D5E2C667F5B3}" type="datetime1">
               <a:rPr lang="en-US" smtClean="0"/>
-              <a:t>3/30/2025</a:t>
+              <a:t>3/31/2025</a:t>
             </a:fld>
             <a:endParaRPr lang="en-US" dirty="0"/>
           </a:p>
@@ -3748,7 +3749,7 @@
           <a:p>
             <a:fld id="{ED291B17-9318-49DB-B28B-6E5994AE9581}" type="datetime1">
               <a:rPr lang="en-US" smtClean="0"/>
-              <a:t>3/30/2025</a:t>
+              <a:t>3/31/2025</a:t>
             </a:fld>
             <a:endParaRPr lang="en-US" dirty="0"/>
           </a:p>
@@ -4803,10 +4804,10 @@
       </p:grpSpPr>
       <p:sp>
         <p:nvSpPr>
-          <p:cNvPr id="2" name="Title 1">
+          <p:cNvPr id="3" name="Content Placeholder 2">
             <a:extLst>
               <a:ext uri="{FF2B5EF4-FFF2-40B4-BE49-F238E27FC236}">
-                <a16:creationId xmlns:a16="http://schemas.microsoft.com/office/drawing/2014/main" id="{48933380-5F74-D7C7-5DB7-CD19426FFA3B}"/>
+                <a16:creationId xmlns:a16="http://schemas.microsoft.com/office/drawing/2014/main" id="{2839075C-E56F-0260-909C-CDD5088A37C5}"/>
               </a:ext>
             </a:extLst>
           </p:cNvPr>
@@ -4814,47 +4815,13 @@
             <a:spLocks noGrp="1"/>
           </p:cNvSpPr>
           <p:nvPr>
-            <p:ph type="title"/>
+            <p:ph idx="1"/>
           </p:nvPr>
         </p:nvSpPr>
         <p:spPr>
           <a:xfrm>
-            <a:off x="581192" y="702156"/>
-            <a:ext cx="11029616" cy="574194"/>
-          </a:xfrm>
-        </p:spPr>
-        <p:txBody>
-          <a:bodyPr/>
-          <a:lstStyle/>
-          <a:p>
-            <a:r>
-              <a:rPr lang="en-US" altLang="zh-CN" dirty="0"/>
-              <a:t>Merge THREE band</a:t>
-            </a:r>
-            <a:endParaRPr lang="zh-CN" altLang="en-US" dirty="0"/>
-          </a:p>
-        </p:txBody>
-      </p:sp>
-      <p:sp>
-        <p:nvSpPr>
-          <p:cNvPr id="3" name="Content Placeholder 2">
-            <a:extLst>
-              <a:ext uri="{FF2B5EF4-FFF2-40B4-BE49-F238E27FC236}">
-                <a16:creationId xmlns:a16="http://schemas.microsoft.com/office/drawing/2014/main" id="{9962524F-73B3-ABD7-DF7E-24FAF962607C}"/>
-              </a:ext>
-            </a:extLst>
-          </p:cNvPr>
-          <p:cNvSpPr>
-            <a:spLocks noGrp="1"/>
-          </p:cNvSpPr>
-          <p:nvPr>
-            <p:ph idx="1"/>
-          </p:nvPr>
-        </p:nvSpPr>
-        <p:spPr>
-          <a:xfrm>
-            <a:off x="5600589" y="1318318"/>
-            <a:ext cx="6441399" cy="5010912"/>
+            <a:off x="2986255" y="1836293"/>
+            <a:ext cx="6219490" cy="2185289"/>
           </a:xfrm>
         </p:spPr>
         <p:txBody>
@@ -4863,6 +4830,19 @@
           </a:bodyPr>
           <a:lstStyle/>
           <a:p>
+            <a:r>
+              <a:rPr lang="en-US" altLang="zh-CN" dirty="0">
+                <a:solidFill>
+                  <a:schemeClr val="tx1">
+                    <a:lumMod val="75000"/>
+                    <a:lumOff val="25000"/>
+                  </a:schemeClr>
+                </a:solidFill>
+              </a:rPr>
+              <a:t>Check pixel resolution, x and y of the starting point</a:t>
+            </a:r>
+          </a:p>
+          <a:p>
             <a:pPr marL="0" indent="0">
               <a:buNone/>
             </a:pPr>
@@ -4872,7 +4852,23 @@
                   <a:srgbClr val="00B0F0"/>
                 </a:solidFill>
               </a:rPr>
-              <a:t>CREATE TABLE ch12.threebands AS</a:t>
+              <a:t> </a:t>
+            </a:r>
+            <a:r>
+              <a:rPr lang="en-US" altLang="zh-CN" dirty="0" err="1">
+                <a:solidFill>
+                  <a:srgbClr val="00B0F0"/>
+                </a:solidFill>
+              </a:rPr>
+              <a:t>ST_ScaleX</a:t>
+            </a:r>
+            <a:r>
+              <a:rPr lang="en-US" altLang="zh-CN" dirty="0">
+                <a:solidFill>
+                  <a:srgbClr val="00B0F0"/>
+                </a:solidFill>
+              </a:rPr>
+              <a:t>()</a:t>
             </a:r>
           </a:p>
           <a:p>
@@ -4880,347 +4876,109 @@
               <a:buNone/>
             </a:pPr>
             <a:r>
+              <a:rPr lang="en-US" altLang="zh-CN" dirty="0" err="1">
+                <a:solidFill>
+                  <a:srgbClr val="00B0F0"/>
+                </a:solidFill>
+              </a:rPr>
+              <a:t>ST_ScaleY</a:t>
+            </a:r>
+            <a:r>
               <a:rPr lang="en-US" altLang="zh-CN" dirty="0">
                 <a:solidFill>
                   <a:srgbClr val="00B0F0"/>
                 </a:solidFill>
               </a:rPr>
-              <a:t>SELECT</a:t>
+              <a:t>()</a:t>
             </a:r>
           </a:p>
           <a:p>
             <a:pPr marL="0" indent="0">
               <a:buNone/>
             </a:pPr>
-            <a:endParaRPr lang="en-US" altLang="zh-CN" dirty="0">
+            <a:r>
+              <a:rPr lang="en-US" altLang="zh-CN" dirty="0" err="1">
+                <a:solidFill>
+                  <a:srgbClr val="00B0F0"/>
+                </a:solidFill>
+              </a:rPr>
+              <a:t>ST_UpperLeftX</a:t>
+            </a:r>
+            <a:r>
+              <a:rPr lang="en-US" altLang="zh-CN" dirty="0">
+                <a:solidFill>
+                  <a:srgbClr val="00B0F0"/>
+                </a:solidFill>
+              </a:rPr>
+              <a:t>()</a:t>
+            </a:r>
+          </a:p>
+          <a:p>
+            <a:pPr marL="0" indent="0">
+              <a:buNone/>
+            </a:pPr>
+            <a:r>
+              <a:rPr lang="en-US" altLang="zh-CN" dirty="0" err="1">
+                <a:solidFill>
+                  <a:srgbClr val="00B0F0"/>
+                </a:solidFill>
+              </a:rPr>
+              <a:t>ST_UpperLeftY</a:t>
+            </a:r>
+            <a:r>
+              <a:rPr lang="en-US" altLang="zh-CN" dirty="0">
+                <a:solidFill>
+                  <a:srgbClr val="00B0F0"/>
+                </a:solidFill>
+              </a:rPr>
+              <a:t>()</a:t>
+            </a:r>
+            <a:endParaRPr lang="zh-CN" altLang="en-US" dirty="0">
               <a:solidFill>
                 <a:srgbClr val="00B0F0"/>
               </a:solidFill>
             </a:endParaRPr>
           </a:p>
-          <a:p>
-            <a:pPr marL="0" indent="0">
-              <a:buNone/>
-            </a:pPr>
-            <a:endParaRPr lang="en-US" altLang="zh-CN" dirty="0">
-              <a:solidFill>
-                <a:srgbClr val="00B0F0"/>
-              </a:solidFill>
-            </a:endParaRPr>
-          </a:p>
-          <a:p>
-            <a:pPr marL="0" indent="0">
-              <a:buNone/>
-            </a:pPr>
-            <a:r>
-              <a:rPr lang="en-US" altLang="zh-CN" dirty="0">
-                <a:solidFill>
-                  <a:srgbClr val="00B0F0"/>
-                </a:solidFill>
-              </a:rPr>
-              <a:t>AS </a:t>
-            </a:r>
-            <a:r>
-              <a:rPr lang="en-US" altLang="zh-CN" dirty="0" err="1">
-                <a:solidFill>
-                  <a:srgbClr val="00B0F0"/>
-                </a:solidFill>
-              </a:rPr>
-              <a:t>rast</a:t>
-            </a:r>
-            <a:endParaRPr lang="en-US" altLang="zh-CN" dirty="0">
-              <a:solidFill>
-                <a:srgbClr val="00B0F0"/>
-              </a:solidFill>
-            </a:endParaRPr>
-          </a:p>
-          <a:p>
-            <a:pPr marL="0" indent="0">
-              <a:buNone/>
-            </a:pPr>
-            <a:r>
-              <a:rPr lang="en-US" altLang="zh-CN" dirty="0">
-                <a:solidFill>
-                  <a:srgbClr val="00B0F0"/>
-                </a:solidFill>
-              </a:rPr>
-              <a:t>FROM ch12.b1 AS b1</a:t>
-            </a:r>
-          </a:p>
-          <a:p>
-            <a:pPr marL="0" indent="0">
-              <a:buNone/>
-            </a:pPr>
-            <a:r>
-              <a:rPr lang="en-US" altLang="zh-CN" dirty="0">
-                <a:solidFill>
-                  <a:srgbClr val="00B0F0"/>
-                </a:solidFill>
-              </a:rPr>
-              <a:t>JOIN ch12.b2 AS b2 ON b1.rid = b2.rid</a:t>
-            </a:r>
-          </a:p>
-          <a:p>
-            <a:pPr marL="0" indent="0">
-              <a:buNone/>
-            </a:pPr>
-            <a:r>
-              <a:rPr lang="en-US" altLang="zh-CN" dirty="0">
-                <a:solidFill>
-                  <a:srgbClr val="00B0F0"/>
-                </a:solidFill>
-              </a:rPr>
-              <a:t>JOIN ch12.b3 AS b3 ON b1.rid = b3.rid;</a:t>
-            </a:r>
-          </a:p>
-          <a:p>
-            <a:endParaRPr lang="zh-CN" altLang="en-US" dirty="0"/>
-          </a:p>
-        </p:txBody>
-      </p:sp>
-      <p:sp>
-        <p:nvSpPr>
-          <p:cNvPr id="6" name="TextBox 5">
+        </p:txBody>
+      </p:sp>
+      <p:sp>
+        <p:nvSpPr>
+          <p:cNvPr id="4" name="Title 1">
             <a:extLst>
               <a:ext uri="{FF2B5EF4-FFF2-40B4-BE49-F238E27FC236}">
-                <a16:creationId xmlns:a16="http://schemas.microsoft.com/office/drawing/2014/main" id="{8B0F0415-D569-1C22-61C5-899503F372BB}"/>
+                <a16:creationId xmlns:a16="http://schemas.microsoft.com/office/drawing/2014/main" id="{4BA20FEF-4C5A-C326-43D3-C762305459EA}"/>
               </a:ext>
             </a:extLst>
           </p:cNvPr>
-          <p:cNvSpPr txBox="1"/>
-          <p:nvPr/>
+          <p:cNvSpPr>
+            <a:spLocks noGrp="1"/>
+          </p:cNvSpPr>
+          <p:nvPr>
+            <p:ph type="title"/>
+          </p:nvPr>
         </p:nvSpPr>
         <p:spPr>
           <a:xfrm>
-            <a:off x="298388" y="1564849"/>
-            <a:ext cx="4603550" cy="4764381"/>
+            <a:off x="581025" y="701675"/>
+            <a:ext cx="11029950" cy="587629"/>
           </a:xfrm>
-          <a:prstGeom prst="rect">
-            <a:avLst/>
-          </a:prstGeom>
-          <a:noFill/>
         </p:spPr>
         <p:txBody>
-          <a:bodyPr wrap="square" rtlCol="0">
-            <a:spAutoFit/>
-          </a:bodyPr>
+          <a:bodyPr/>
           <a:lstStyle/>
           <a:p>
-            <a:pPr marL="306000" indent="-306000">
-              <a:spcBef>
-                <a:spcPct val="20000"/>
-              </a:spcBef>
-              <a:spcAft>
-                <a:spcPts val="600"/>
-              </a:spcAft>
-              <a:buClr>
-                <a:schemeClr val="accent1"/>
-              </a:buClr>
-              <a:buSzPct val="92000"/>
-              <a:buFont typeface="Wingdings 2" panose="05020102010507070707" pitchFamily="18" charset="2"/>
-              <a:buChar char=""/>
-            </a:pPr>
-            <a:r>
-              <a:rPr lang="en-US" altLang="zh-CN" dirty="0">
-                <a:solidFill>
-                  <a:schemeClr val="tx1">
-                    <a:lumMod val="75000"/>
-                    <a:lumOff val="25000"/>
-                  </a:schemeClr>
-                </a:solidFill>
-              </a:rPr>
-              <a:t>Creates a new table ch12. </a:t>
-            </a:r>
-            <a:r>
-              <a:rPr lang="en-US" altLang="zh-CN" dirty="0" err="1">
-                <a:solidFill>
-                  <a:schemeClr val="tx1">
-                    <a:lumMod val="75000"/>
-                    <a:lumOff val="25000"/>
-                  </a:schemeClr>
-                </a:solidFill>
-              </a:rPr>
-              <a:t>threebands</a:t>
-            </a:r>
-            <a:r>
-              <a:rPr lang="en-US" altLang="zh-CN" dirty="0">
-                <a:solidFill>
-                  <a:schemeClr val="tx1">
-                    <a:lumMod val="75000"/>
-                    <a:lumOff val="25000"/>
-                  </a:schemeClr>
-                </a:solidFill>
-              </a:rPr>
-              <a:t> that combine Band 1, Band 2, and Band 3 raster images (stored in separate tables) into a single raster with 3 bands.</a:t>
-            </a:r>
-          </a:p>
-          <a:p>
-            <a:pPr marL="306000" indent="-306000">
-              <a:spcBef>
-                <a:spcPct val="20000"/>
-              </a:spcBef>
-              <a:spcAft>
-                <a:spcPts val="600"/>
-              </a:spcAft>
-              <a:buClr>
-                <a:schemeClr val="accent1"/>
-              </a:buClr>
-              <a:buSzPct val="92000"/>
-              <a:buFont typeface="Wingdings 2" panose="05020102010507070707" pitchFamily="18" charset="2"/>
-              <a:buChar char=""/>
-            </a:pPr>
-            <a:endParaRPr lang="en-US" altLang="zh-CN" dirty="0">
-              <a:solidFill>
-                <a:schemeClr val="tx1">
-                  <a:lumMod val="75000"/>
-                  <a:lumOff val="25000"/>
-                </a:schemeClr>
-              </a:solidFill>
-            </a:endParaRPr>
-          </a:p>
-          <a:p>
-            <a:pPr marL="306000" indent="-306000">
-              <a:spcBef>
-                <a:spcPct val="20000"/>
-              </a:spcBef>
-              <a:spcAft>
-                <a:spcPts val="600"/>
-              </a:spcAft>
-              <a:buClr>
-                <a:schemeClr val="accent1"/>
-              </a:buClr>
-              <a:buSzPct val="92000"/>
-              <a:buFont typeface="Wingdings 2" panose="05020102010507070707" pitchFamily="18" charset="2"/>
-              <a:buChar char=""/>
-            </a:pPr>
-            <a:r>
-              <a:rPr lang="en-US" altLang="zh-CN" dirty="0">
-                <a:solidFill>
-                  <a:schemeClr val="tx1">
-                    <a:lumMod val="75000"/>
-                    <a:lumOff val="25000"/>
-                  </a:schemeClr>
-                </a:solidFill>
-              </a:rPr>
-              <a:t>Joins the three tables b1, b2, and b3 using the rid (raster ID) so that:</a:t>
-            </a:r>
-          </a:p>
-          <a:p>
-            <a:pPr marL="306000" indent="-306000">
-              <a:spcBef>
-                <a:spcPct val="20000"/>
-              </a:spcBef>
-              <a:spcAft>
-                <a:spcPts val="600"/>
-              </a:spcAft>
-              <a:buClr>
-                <a:schemeClr val="accent1"/>
-              </a:buClr>
-              <a:buSzPct val="92000"/>
-              <a:buFont typeface="Wingdings 2" panose="05020102010507070707" pitchFamily="18" charset="2"/>
-              <a:buChar char=""/>
-            </a:pPr>
-            <a:endParaRPr lang="en-US" altLang="zh-CN" dirty="0">
-              <a:solidFill>
-                <a:schemeClr val="tx1">
-                  <a:lumMod val="75000"/>
-                  <a:lumOff val="25000"/>
-                </a:schemeClr>
-              </a:solidFill>
-            </a:endParaRPr>
-          </a:p>
-          <a:p>
-            <a:pPr marL="306000" indent="-306000">
-              <a:spcBef>
-                <a:spcPct val="20000"/>
-              </a:spcBef>
-              <a:spcAft>
-                <a:spcPts val="600"/>
-              </a:spcAft>
-              <a:buClr>
-                <a:schemeClr val="accent1"/>
-              </a:buClr>
-              <a:buSzPct val="92000"/>
-              <a:buFont typeface="Wingdings 2" panose="05020102010507070707" pitchFamily="18" charset="2"/>
-              <a:buChar char=""/>
-            </a:pPr>
-            <a:r>
-              <a:rPr lang="en-US" altLang="zh-CN" dirty="0">
-                <a:solidFill>
-                  <a:schemeClr val="tx1">
-                    <a:lumMod val="75000"/>
-                    <a:lumOff val="25000"/>
-                  </a:schemeClr>
-                </a:solidFill>
-              </a:rPr>
-              <a:t>Only matching raster tiles (same location and extent) are merged together.</a:t>
-            </a:r>
-          </a:p>
-          <a:p>
-            <a:pPr marL="306000" indent="-306000">
-              <a:spcBef>
-                <a:spcPct val="20000"/>
-              </a:spcBef>
-              <a:spcAft>
-                <a:spcPts val="600"/>
-              </a:spcAft>
-              <a:buClr>
-                <a:schemeClr val="accent1"/>
-              </a:buClr>
-              <a:buSzPct val="92000"/>
-              <a:buFont typeface="Wingdings 2" panose="05020102010507070707" pitchFamily="18" charset="2"/>
-              <a:buChar char=""/>
-            </a:pPr>
-            <a:endParaRPr lang="en-US" altLang="zh-CN" dirty="0">
-              <a:solidFill>
-                <a:schemeClr val="tx1">
-                  <a:lumMod val="75000"/>
-                  <a:lumOff val="25000"/>
-                </a:schemeClr>
-              </a:solidFill>
-            </a:endParaRPr>
-          </a:p>
-          <a:p>
-            <a:pPr marL="306000" indent="-306000">
-              <a:spcBef>
-                <a:spcPct val="20000"/>
-              </a:spcBef>
-              <a:spcAft>
-                <a:spcPts val="600"/>
-              </a:spcAft>
-              <a:buClr>
-                <a:schemeClr val="accent1"/>
-              </a:buClr>
-              <a:buSzPct val="92000"/>
-              <a:buFont typeface="Wingdings 2" panose="05020102010507070707" pitchFamily="18" charset="2"/>
-              <a:buChar char=""/>
-            </a:pPr>
-            <a:r>
-              <a:rPr lang="en-US" altLang="zh-CN" dirty="0">
-                <a:solidFill>
-                  <a:schemeClr val="tx1">
-                    <a:lumMod val="75000"/>
-                    <a:lumOff val="25000"/>
-                  </a:schemeClr>
-                </a:solidFill>
-              </a:rPr>
-              <a:t>This ensures each row in the new table contains corresponding tiles from all three bands.</a:t>
-            </a:r>
-            <a:endParaRPr lang="zh-CN" altLang="en-US" dirty="0">
-              <a:solidFill>
-                <a:schemeClr val="tx1">
-                  <a:lumMod val="75000"/>
-                  <a:lumOff val="25000"/>
-                </a:schemeClr>
-              </a:solidFill>
-            </a:endParaRPr>
+            <a:r>
+              <a:rPr lang="en-US" altLang="zh-CN" dirty="0"/>
+              <a:t>Exercise 01: Check metadata of the raster table</a:t>
+            </a:r>
+            <a:endParaRPr lang="zh-CN" altLang="en-US" dirty="0"/>
           </a:p>
         </p:txBody>
       </p:sp>
     </p:spTree>
     <p:extLst>
       <p:ext uri="{BB962C8B-B14F-4D97-AF65-F5344CB8AC3E}">
-        <p14:creationId xmlns:p14="http://schemas.microsoft.com/office/powerpoint/2010/main" val="2792971215"/>
+        <p14:creationId xmlns:p14="http://schemas.microsoft.com/office/powerpoint/2010/main" val="1588503678"/>
       </p:ext>
     </p:extLst>
   </p:cSld>
@@ -5249,10 +5007,44 @@
       </p:grpSpPr>
       <p:sp>
         <p:nvSpPr>
+          <p:cNvPr id="2" name="Title 1">
+            <a:extLst>
+              <a:ext uri="{FF2B5EF4-FFF2-40B4-BE49-F238E27FC236}">
+                <a16:creationId xmlns:a16="http://schemas.microsoft.com/office/drawing/2014/main" id="{48933380-5F74-D7C7-5DB7-CD19426FFA3B}"/>
+              </a:ext>
+            </a:extLst>
+          </p:cNvPr>
+          <p:cNvSpPr>
+            <a:spLocks noGrp="1"/>
+          </p:cNvSpPr>
+          <p:nvPr>
+            <p:ph type="title"/>
+          </p:nvPr>
+        </p:nvSpPr>
+        <p:spPr>
+          <a:xfrm>
+            <a:off x="581192" y="702156"/>
+            <a:ext cx="11029616" cy="574194"/>
+          </a:xfrm>
+        </p:spPr>
+        <p:txBody>
+          <a:bodyPr/>
+          <a:lstStyle/>
+          <a:p>
+            <a:r>
+              <a:rPr lang="en-US" altLang="zh-CN" dirty="0"/>
+              <a:t>Merge THREE band</a:t>
+            </a:r>
+            <a:endParaRPr lang="zh-CN" altLang="en-US" dirty="0"/>
+          </a:p>
+        </p:txBody>
+      </p:sp>
+      <p:sp>
+        <p:nvSpPr>
           <p:cNvPr id="3" name="Content Placeholder 2">
             <a:extLst>
               <a:ext uri="{FF2B5EF4-FFF2-40B4-BE49-F238E27FC236}">
-                <a16:creationId xmlns:a16="http://schemas.microsoft.com/office/drawing/2014/main" id="{13F89EC1-AAA8-7348-0541-3868D6874840}"/>
+                <a16:creationId xmlns:a16="http://schemas.microsoft.com/office/drawing/2014/main" id="{9962524F-73B3-ABD7-DF7E-24FAF962607C}"/>
               </a:ext>
             </a:extLst>
           </p:cNvPr>
@@ -5265,60 +5057,374 @@
         </p:nvSpPr>
         <p:spPr>
           <a:xfrm>
-            <a:off x="580857" y="1572768"/>
-            <a:ext cx="11029615" cy="722376"/>
+            <a:off x="5600589" y="1318318"/>
+            <a:ext cx="6441399" cy="5010912"/>
           </a:xfrm>
         </p:spPr>
         <p:txBody>
-          <a:bodyPr/>
+          <a:bodyPr>
+            <a:normAutofit/>
+          </a:bodyPr>
           <a:lstStyle/>
           <a:p>
-            <a:r>
-              <a:rPr lang="en-US" altLang="zh-CN" dirty="0"/>
-              <a:t>Merge b1,b2,b3,b4</a:t>
-            </a:r>
+            <a:pPr marL="0" indent="0">
+              <a:buNone/>
+            </a:pPr>
+            <a:r>
+              <a:rPr lang="en-US" altLang="zh-CN" dirty="0">
+                <a:solidFill>
+                  <a:srgbClr val="00B0F0"/>
+                </a:solidFill>
+              </a:rPr>
+              <a:t>CREATE TABLE ch12.threebands AS</a:t>
+            </a:r>
+          </a:p>
+          <a:p>
+            <a:pPr marL="0" indent="0">
+              <a:buNone/>
+            </a:pPr>
+            <a:r>
+              <a:rPr lang="en-US" altLang="zh-CN" dirty="0">
+                <a:solidFill>
+                  <a:srgbClr val="00B0F0"/>
+                </a:solidFill>
+              </a:rPr>
+              <a:t>SELECT</a:t>
+            </a:r>
+          </a:p>
+          <a:p>
+            <a:pPr marL="0" indent="0">
+              <a:buNone/>
+            </a:pPr>
+            <a:endParaRPr lang="en-US" altLang="zh-CN" dirty="0">
+              <a:solidFill>
+                <a:srgbClr val="00B0F0"/>
+              </a:solidFill>
+            </a:endParaRPr>
+          </a:p>
+          <a:p>
+            <a:pPr marL="0" indent="0">
+              <a:buNone/>
+            </a:pPr>
+            <a:endParaRPr lang="en-US" altLang="zh-CN" dirty="0">
+              <a:solidFill>
+                <a:srgbClr val="00B0F0"/>
+              </a:solidFill>
+            </a:endParaRPr>
+          </a:p>
+          <a:p>
+            <a:pPr marL="0" indent="0">
+              <a:buNone/>
+            </a:pPr>
+            <a:r>
+              <a:rPr lang="en-US" altLang="zh-CN" dirty="0">
+                <a:solidFill>
+                  <a:srgbClr val="00B0F0"/>
+                </a:solidFill>
+              </a:rPr>
+              <a:t>AS </a:t>
+            </a:r>
+            <a:r>
+              <a:rPr lang="en-US" altLang="zh-CN" dirty="0" err="1">
+                <a:solidFill>
+                  <a:srgbClr val="00B0F0"/>
+                </a:solidFill>
+              </a:rPr>
+              <a:t>rast</a:t>
+            </a:r>
+            <a:endParaRPr lang="en-US" altLang="zh-CN" dirty="0">
+              <a:solidFill>
+                <a:srgbClr val="00B0F0"/>
+              </a:solidFill>
+            </a:endParaRPr>
+          </a:p>
+          <a:p>
+            <a:pPr marL="0" indent="0">
+              <a:buNone/>
+            </a:pPr>
+            <a:r>
+              <a:rPr lang="en-US" altLang="zh-CN" dirty="0">
+                <a:solidFill>
+                  <a:srgbClr val="00B0F0"/>
+                </a:solidFill>
+              </a:rPr>
+              <a:t>FROM ch12.b1 AS b1</a:t>
+            </a:r>
+          </a:p>
+          <a:p>
+            <a:pPr marL="0" indent="0">
+              <a:buNone/>
+            </a:pPr>
+            <a:r>
+              <a:rPr lang="en-US" altLang="zh-CN" dirty="0">
+                <a:solidFill>
+                  <a:srgbClr val="00B0F0"/>
+                </a:solidFill>
+              </a:rPr>
+              <a:t>JOIN ch12.b2 AS b2 ON b1.rid = b2.rid</a:t>
+            </a:r>
+          </a:p>
+          <a:p>
+            <a:pPr marL="0" indent="0">
+              <a:buNone/>
+            </a:pPr>
+            <a:r>
+              <a:rPr lang="en-US" altLang="zh-CN" dirty="0">
+                <a:solidFill>
+                  <a:srgbClr val="00B0F0"/>
+                </a:solidFill>
+              </a:rPr>
+              <a:t>JOIN ch12.b3 AS b3 ON b1.rid = b3.rid;</a:t>
+            </a:r>
+          </a:p>
+          <a:p>
             <a:endParaRPr lang="zh-CN" altLang="en-US" dirty="0"/>
           </a:p>
         </p:txBody>
       </p:sp>
       <p:sp>
         <p:nvSpPr>
-          <p:cNvPr id="4" name="Title 1">
+          <p:cNvPr id="6" name="TextBox 5">
             <a:extLst>
               <a:ext uri="{FF2B5EF4-FFF2-40B4-BE49-F238E27FC236}">
-                <a16:creationId xmlns:a16="http://schemas.microsoft.com/office/drawing/2014/main" id="{86AF9FF7-AD7F-E3FE-F15C-87B91CF332B5}"/>
+                <a16:creationId xmlns:a16="http://schemas.microsoft.com/office/drawing/2014/main" id="{8B0F0415-D569-1C22-61C5-899503F372BB}"/>
               </a:ext>
             </a:extLst>
           </p:cNvPr>
-          <p:cNvSpPr>
-            <a:spLocks noGrp="1"/>
-          </p:cNvSpPr>
-          <p:nvPr>
-            <p:ph type="title"/>
-          </p:nvPr>
+          <p:cNvSpPr txBox="1"/>
+          <p:nvPr/>
         </p:nvSpPr>
         <p:spPr>
           <a:xfrm>
-            <a:off x="581025" y="701675"/>
-            <a:ext cx="11029950" cy="615061"/>
+            <a:off x="298388" y="1564849"/>
+            <a:ext cx="4603550" cy="4764381"/>
           </a:xfrm>
+          <a:prstGeom prst="rect">
+            <a:avLst/>
+          </a:prstGeom>
+          <a:noFill/>
         </p:spPr>
         <p:txBody>
-          <a:bodyPr/>
+          <a:bodyPr wrap="square" rtlCol="0">
+            <a:spAutoFit/>
+          </a:bodyPr>
           <a:lstStyle/>
           <a:p>
-            <a:r>
-              <a:rPr lang="en-US" altLang="zh-CN" dirty="0"/>
-              <a:t>Exercise 02: Merge four band</a:t>
-            </a:r>
-            <a:endParaRPr lang="zh-CN" altLang="en-US" dirty="0"/>
+            <a:pPr marL="306000" indent="-306000">
+              <a:spcBef>
+                <a:spcPct val="20000"/>
+              </a:spcBef>
+              <a:spcAft>
+                <a:spcPts val="600"/>
+              </a:spcAft>
+              <a:buClr>
+                <a:schemeClr val="accent1"/>
+              </a:buClr>
+              <a:buSzPct val="92000"/>
+              <a:buFont typeface="Wingdings 2" panose="05020102010507070707" pitchFamily="18" charset="2"/>
+              <a:buChar char=""/>
+            </a:pPr>
+            <a:r>
+              <a:rPr lang="en-US" altLang="zh-CN" dirty="0">
+                <a:solidFill>
+                  <a:schemeClr val="tx1">
+                    <a:lumMod val="75000"/>
+                    <a:lumOff val="25000"/>
+                  </a:schemeClr>
+                </a:solidFill>
+              </a:rPr>
+              <a:t>Creates a new table ch12. </a:t>
+            </a:r>
+            <a:r>
+              <a:rPr lang="en-US" altLang="zh-CN" dirty="0" err="1">
+                <a:solidFill>
+                  <a:schemeClr val="tx1">
+                    <a:lumMod val="75000"/>
+                    <a:lumOff val="25000"/>
+                  </a:schemeClr>
+                </a:solidFill>
+              </a:rPr>
+              <a:t>threebands</a:t>
+            </a:r>
+            <a:r>
+              <a:rPr lang="en-US" altLang="zh-CN" dirty="0">
+                <a:solidFill>
+                  <a:schemeClr val="tx1">
+                    <a:lumMod val="75000"/>
+                    <a:lumOff val="25000"/>
+                  </a:schemeClr>
+                </a:solidFill>
+              </a:rPr>
+              <a:t> that combine Band 1, Band 2, and Band 3 raster images (stored in separate tables) into a single raster with 3 bands.</a:t>
+            </a:r>
+          </a:p>
+          <a:p>
+            <a:pPr marL="306000" indent="-306000">
+              <a:spcBef>
+                <a:spcPct val="20000"/>
+              </a:spcBef>
+              <a:spcAft>
+                <a:spcPts val="600"/>
+              </a:spcAft>
+              <a:buClr>
+                <a:schemeClr val="accent1"/>
+              </a:buClr>
+              <a:buSzPct val="92000"/>
+              <a:buFont typeface="Wingdings 2" panose="05020102010507070707" pitchFamily="18" charset="2"/>
+              <a:buChar char=""/>
+            </a:pPr>
+            <a:endParaRPr lang="en-US" altLang="zh-CN" dirty="0">
+              <a:solidFill>
+                <a:schemeClr val="tx1">
+                  <a:lumMod val="75000"/>
+                  <a:lumOff val="25000"/>
+                </a:schemeClr>
+              </a:solidFill>
+            </a:endParaRPr>
+          </a:p>
+          <a:p>
+            <a:pPr marL="306000" indent="-306000">
+              <a:spcBef>
+                <a:spcPct val="20000"/>
+              </a:spcBef>
+              <a:spcAft>
+                <a:spcPts val="600"/>
+              </a:spcAft>
+              <a:buClr>
+                <a:schemeClr val="accent1"/>
+              </a:buClr>
+              <a:buSzPct val="92000"/>
+              <a:buFont typeface="Wingdings 2" panose="05020102010507070707" pitchFamily="18" charset="2"/>
+              <a:buChar char=""/>
+            </a:pPr>
+            <a:r>
+              <a:rPr lang="en-US" altLang="zh-CN" dirty="0">
+                <a:solidFill>
+                  <a:schemeClr val="tx1">
+                    <a:lumMod val="75000"/>
+                    <a:lumOff val="25000"/>
+                  </a:schemeClr>
+                </a:solidFill>
+              </a:rPr>
+              <a:t>Joins the three tables b1, b2, and b3 using the rid (raster ID) so that:</a:t>
+            </a:r>
+          </a:p>
+          <a:p>
+            <a:pPr marL="306000" indent="-306000">
+              <a:spcBef>
+                <a:spcPct val="20000"/>
+              </a:spcBef>
+              <a:spcAft>
+                <a:spcPts val="600"/>
+              </a:spcAft>
+              <a:buClr>
+                <a:schemeClr val="accent1"/>
+              </a:buClr>
+              <a:buSzPct val="92000"/>
+              <a:buFont typeface="Wingdings 2" panose="05020102010507070707" pitchFamily="18" charset="2"/>
+              <a:buChar char=""/>
+            </a:pPr>
+            <a:endParaRPr lang="en-US" altLang="zh-CN" dirty="0">
+              <a:solidFill>
+                <a:schemeClr val="tx1">
+                  <a:lumMod val="75000"/>
+                  <a:lumOff val="25000"/>
+                </a:schemeClr>
+              </a:solidFill>
+            </a:endParaRPr>
+          </a:p>
+          <a:p>
+            <a:pPr marL="306000" indent="-306000">
+              <a:spcBef>
+                <a:spcPct val="20000"/>
+              </a:spcBef>
+              <a:spcAft>
+                <a:spcPts val="600"/>
+              </a:spcAft>
+              <a:buClr>
+                <a:schemeClr val="accent1"/>
+              </a:buClr>
+              <a:buSzPct val="92000"/>
+              <a:buFont typeface="Wingdings 2" panose="05020102010507070707" pitchFamily="18" charset="2"/>
+              <a:buChar char=""/>
+            </a:pPr>
+            <a:r>
+              <a:rPr lang="en-US" altLang="zh-CN" dirty="0">
+                <a:solidFill>
+                  <a:schemeClr val="tx1">
+                    <a:lumMod val="75000"/>
+                    <a:lumOff val="25000"/>
+                  </a:schemeClr>
+                </a:solidFill>
+              </a:rPr>
+              <a:t>Only matching raster tiles (same location and extent) are merged together.</a:t>
+            </a:r>
+          </a:p>
+          <a:p>
+            <a:pPr marL="306000" indent="-306000">
+              <a:spcBef>
+                <a:spcPct val="20000"/>
+              </a:spcBef>
+              <a:spcAft>
+                <a:spcPts val="600"/>
+              </a:spcAft>
+              <a:buClr>
+                <a:schemeClr val="accent1"/>
+              </a:buClr>
+              <a:buSzPct val="92000"/>
+              <a:buFont typeface="Wingdings 2" panose="05020102010507070707" pitchFamily="18" charset="2"/>
+              <a:buChar char=""/>
+            </a:pPr>
+            <a:endParaRPr lang="en-US" altLang="zh-CN" dirty="0">
+              <a:solidFill>
+                <a:schemeClr val="tx1">
+                  <a:lumMod val="75000"/>
+                  <a:lumOff val="25000"/>
+                </a:schemeClr>
+              </a:solidFill>
+            </a:endParaRPr>
+          </a:p>
+          <a:p>
+            <a:pPr marL="306000" indent="-306000">
+              <a:spcBef>
+                <a:spcPct val="20000"/>
+              </a:spcBef>
+              <a:spcAft>
+                <a:spcPts val="600"/>
+              </a:spcAft>
+              <a:buClr>
+                <a:schemeClr val="accent1"/>
+              </a:buClr>
+              <a:buSzPct val="92000"/>
+              <a:buFont typeface="Wingdings 2" panose="05020102010507070707" pitchFamily="18" charset="2"/>
+              <a:buChar char=""/>
+            </a:pPr>
+            <a:r>
+              <a:rPr lang="en-US" altLang="zh-CN" dirty="0">
+                <a:solidFill>
+                  <a:schemeClr val="tx1">
+                    <a:lumMod val="75000"/>
+                    <a:lumOff val="25000"/>
+                  </a:schemeClr>
+                </a:solidFill>
+              </a:rPr>
+              <a:t>This ensures each row in the new table contains corresponding tiles from all three bands.</a:t>
+            </a:r>
+            <a:endParaRPr lang="zh-CN" altLang="en-US" dirty="0">
+              <a:solidFill>
+                <a:schemeClr val="tx1">
+                  <a:lumMod val="75000"/>
+                  <a:lumOff val="25000"/>
+                </a:schemeClr>
+              </a:solidFill>
+            </a:endParaRPr>
           </a:p>
         </p:txBody>
       </p:sp>
     </p:spTree>
     <p:extLst>
       <p:ext uri="{BB962C8B-B14F-4D97-AF65-F5344CB8AC3E}">
-        <p14:creationId xmlns:p14="http://schemas.microsoft.com/office/powerpoint/2010/main" val="3672722348"/>
+        <p14:creationId xmlns:p14="http://schemas.microsoft.com/office/powerpoint/2010/main" val="2792971215"/>
       </p:ext>
     </p:extLst>
   </p:cSld>
@@ -5350,7 +5456,7 @@
           <p:cNvPr id="3" name="Content Placeholder 2">
             <a:extLst>
               <a:ext uri="{FF2B5EF4-FFF2-40B4-BE49-F238E27FC236}">
-                <a16:creationId xmlns:a16="http://schemas.microsoft.com/office/drawing/2014/main" id="{86C3CDA7-95EA-5399-6678-FBB9076C0974}"/>
+                <a16:creationId xmlns:a16="http://schemas.microsoft.com/office/drawing/2014/main" id="{13F89EC1-AAA8-7348-0541-3868D6874840}"/>
               </a:ext>
             </a:extLst>
           </p:cNvPr>
@@ -5363,505 +5469,19 @@
         </p:nvSpPr>
         <p:spPr>
           <a:xfrm>
-            <a:off x="5519121" y="1435608"/>
-            <a:ext cx="2024680" cy="5138928"/>
+            <a:off x="580857" y="1572768"/>
+            <a:ext cx="11029615" cy="722376"/>
           </a:xfrm>
         </p:spPr>
         <p:txBody>
-          <a:bodyPr>
-            <a:normAutofit fontScale="32500" lnSpcReduction="20000"/>
-          </a:bodyPr>
+          <a:bodyPr/>
           <a:lstStyle/>
           <a:p>
-            <a:pPr marL="0" indent="0">
-              <a:buNone/>
-            </a:pPr>
-            <a:r>
-              <a:rPr lang="en-US" altLang="zh-CN" dirty="0">
-                <a:solidFill>
-                  <a:srgbClr val="00B0F0"/>
-                </a:solidFill>
-              </a:rPr>
-              <a:t>CREATE TABLE ch12.landsat AS</a:t>
-            </a:r>
-          </a:p>
-          <a:p>
-            <a:pPr marL="0" indent="0">
-              <a:buNone/>
-            </a:pPr>
-            <a:r>
-              <a:rPr lang="en-US" altLang="zh-CN" dirty="0">
-                <a:solidFill>
-                  <a:srgbClr val="00B0F0"/>
-                </a:solidFill>
-              </a:rPr>
-              <a:t>SELECT</a:t>
-            </a:r>
-          </a:p>
-          <a:p>
-            <a:pPr marL="0" indent="0">
-              <a:buNone/>
-            </a:pPr>
-            <a:r>
-              <a:rPr lang="en-US" altLang="zh-CN" dirty="0">
-                <a:solidFill>
-                  <a:srgbClr val="00B0F0"/>
-                </a:solidFill>
-              </a:rPr>
-              <a:t>  b1.rid,</a:t>
-            </a:r>
-          </a:p>
-          <a:p>
-            <a:pPr marL="0" indent="0">
-              <a:buNone/>
-            </a:pPr>
-            <a:r>
-              <a:rPr lang="en-US" altLang="zh-CN" dirty="0">
-                <a:solidFill>
-                  <a:srgbClr val="00B0F0"/>
-                </a:solidFill>
-              </a:rPr>
-              <a:t>  </a:t>
-            </a:r>
-            <a:r>
-              <a:rPr lang="en-US" altLang="zh-CN" dirty="0" err="1">
-                <a:solidFill>
-                  <a:srgbClr val="00B0F0"/>
-                </a:solidFill>
-              </a:rPr>
-              <a:t>ST_AddBand</a:t>
-            </a:r>
-            <a:r>
-              <a:rPr lang="en-US" altLang="zh-CN" dirty="0">
-                <a:solidFill>
-                  <a:srgbClr val="00B0F0"/>
-                </a:solidFill>
-              </a:rPr>
-              <a:t>(</a:t>
-            </a:r>
-          </a:p>
-          <a:p>
-            <a:pPr marL="0" indent="0">
-              <a:buNone/>
-            </a:pPr>
-            <a:r>
-              <a:rPr lang="en-US" altLang="zh-CN" dirty="0">
-                <a:solidFill>
-                  <a:srgbClr val="00B0F0"/>
-                </a:solidFill>
-              </a:rPr>
-              <a:t>    </a:t>
-            </a:r>
-            <a:r>
-              <a:rPr lang="en-US" altLang="zh-CN" dirty="0" err="1">
-                <a:solidFill>
-                  <a:srgbClr val="00B0F0"/>
-                </a:solidFill>
-              </a:rPr>
-              <a:t>ST_AddBand</a:t>
-            </a:r>
-            <a:r>
-              <a:rPr lang="en-US" altLang="zh-CN" dirty="0">
-                <a:solidFill>
-                  <a:srgbClr val="00B0F0"/>
-                </a:solidFill>
-              </a:rPr>
-              <a:t>(</a:t>
-            </a:r>
-          </a:p>
-          <a:p>
-            <a:pPr marL="0" indent="0">
-              <a:buNone/>
-            </a:pPr>
-            <a:r>
-              <a:rPr lang="en-US" altLang="zh-CN" dirty="0">
-                <a:solidFill>
-                  <a:srgbClr val="00B0F0"/>
-                </a:solidFill>
-              </a:rPr>
-              <a:t>      </a:t>
-            </a:r>
-            <a:r>
-              <a:rPr lang="en-US" altLang="zh-CN" dirty="0" err="1">
-                <a:solidFill>
-                  <a:srgbClr val="00B0F0"/>
-                </a:solidFill>
-              </a:rPr>
-              <a:t>ST_AddBand</a:t>
-            </a:r>
-            <a:r>
-              <a:rPr lang="en-US" altLang="zh-CN" dirty="0">
-                <a:solidFill>
-                  <a:srgbClr val="00B0F0"/>
-                </a:solidFill>
-              </a:rPr>
-              <a:t>(</a:t>
-            </a:r>
-          </a:p>
-          <a:p>
-            <a:pPr marL="0" indent="0">
-              <a:buNone/>
-            </a:pPr>
-            <a:r>
-              <a:rPr lang="en-US" altLang="zh-CN" dirty="0">
-                <a:solidFill>
-                  <a:srgbClr val="00B0F0"/>
-                </a:solidFill>
-              </a:rPr>
-              <a:t>        </a:t>
-            </a:r>
-            <a:r>
-              <a:rPr lang="en-US" altLang="zh-CN" dirty="0" err="1">
-                <a:solidFill>
-                  <a:srgbClr val="00B0F0"/>
-                </a:solidFill>
-              </a:rPr>
-              <a:t>ST_AddBand</a:t>
-            </a:r>
-            <a:r>
-              <a:rPr lang="en-US" altLang="zh-CN" dirty="0">
-                <a:solidFill>
-                  <a:srgbClr val="00B0F0"/>
-                </a:solidFill>
-              </a:rPr>
-              <a:t>(</a:t>
-            </a:r>
-          </a:p>
-          <a:p>
-            <a:pPr marL="0" indent="0">
-              <a:buNone/>
-            </a:pPr>
-            <a:r>
-              <a:rPr lang="en-US" altLang="zh-CN" dirty="0">
-                <a:solidFill>
-                  <a:srgbClr val="00B0F0"/>
-                </a:solidFill>
-              </a:rPr>
-              <a:t>          </a:t>
-            </a:r>
-            <a:r>
-              <a:rPr lang="en-US" altLang="zh-CN" dirty="0" err="1">
-                <a:solidFill>
-                  <a:srgbClr val="00B0F0"/>
-                </a:solidFill>
-              </a:rPr>
-              <a:t>ST_AddBand</a:t>
-            </a:r>
-            <a:r>
-              <a:rPr lang="en-US" altLang="zh-CN" dirty="0">
-                <a:solidFill>
-                  <a:srgbClr val="00B0F0"/>
-                </a:solidFill>
-              </a:rPr>
-              <a:t>(</a:t>
-            </a:r>
-          </a:p>
-          <a:p>
-            <a:pPr marL="0" indent="0">
-              <a:buNone/>
-            </a:pPr>
-            <a:r>
-              <a:rPr lang="en-US" altLang="zh-CN" dirty="0">
-                <a:solidFill>
-                  <a:srgbClr val="00B0F0"/>
-                </a:solidFill>
-              </a:rPr>
-              <a:t>            </a:t>
-            </a:r>
-            <a:r>
-              <a:rPr lang="en-US" altLang="zh-CN" dirty="0" err="1">
-                <a:solidFill>
-                  <a:srgbClr val="00B0F0"/>
-                </a:solidFill>
-              </a:rPr>
-              <a:t>ST_AddBand</a:t>
-            </a:r>
-            <a:r>
-              <a:rPr lang="en-US" altLang="zh-CN" dirty="0">
-                <a:solidFill>
-                  <a:srgbClr val="00B0F0"/>
-                </a:solidFill>
-              </a:rPr>
-              <a:t>(</a:t>
-            </a:r>
-          </a:p>
-          <a:p>
-            <a:pPr marL="0" indent="0">
-              <a:buNone/>
-            </a:pPr>
-            <a:r>
-              <a:rPr lang="en-US" altLang="zh-CN" dirty="0">
-                <a:solidFill>
-                  <a:srgbClr val="00B0F0"/>
-                </a:solidFill>
-              </a:rPr>
-              <a:t>              b1.rast,              -- Band 1</a:t>
-            </a:r>
-          </a:p>
-          <a:p>
-            <a:pPr marL="0" indent="0">
-              <a:buNone/>
-            </a:pPr>
-            <a:r>
-              <a:rPr lang="en-US" altLang="zh-CN" dirty="0">
-                <a:solidFill>
-                  <a:srgbClr val="00B0F0"/>
-                </a:solidFill>
-              </a:rPr>
-              <a:t>              b2.rast               -- Band 2</a:t>
-            </a:r>
-          </a:p>
-          <a:p>
-            <a:pPr marL="0" indent="0">
-              <a:buNone/>
-            </a:pPr>
-            <a:r>
-              <a:rPr lang="en-US" altLang="zh-CN" dirty="0">
-                <a:solidFill>
-                  <a:srgbClr val="00B0F0"/>
-                </a:solidFill>
-              </a:rPr>
-              <a:t>            ),</a:t>
-            </a:r>
-          </a:p>
-          <a:p>
-            <a:pPr marL="0" indent="0">
-              <a:buNone/>
-            </a:pPr>
-            <a:r>
-              <a:rPr lang="en-US" altLang="zh-CN" dirty="0">
-                <a:solidFill>
-                  <a:srgbClr val="00B0F0"/>
-                </a:solidFill>
-              </a:rPr>
-              <a:t>            b3.rast                 -- Band 3</a:t>
-            </a:r>
-          </a:p>
-          <a:p>
-            <a:pPr marL="0" indent="0">
-              <a:buNone/>
-            </a:pPr>
-            <a:r>
-              <a:rPr lang="en-US" altLang="zh-CN" dirty="0">
-                <a:solidFill>
-                  <a:srgbClr val="00B0F0"/>
-                </a:solidFill>
-              </a:rPr>
-              <a:t>          ),</a:t>
-            </a:r>
-          </a:p>
-          <a:p>
-            <a:pPr marL="0" indent="0">
-              <a:buNone/>
-            </a:pPr>
-            <a:r>
-              <a:rPr lang="en-US" altLang="zh-CN" dirty="0">
-                <a:solidFill>
-                  <a:srgbClr val="00B0F0"/>
-                </a:solidFill>
-              </a:rPr>
-              <a:t>          b4.rast                   -- Band 4</a:t>
-            </a:r>
-          </a:p>
-          <a:p>
-            <a:pPr marL="0" indent="0">
-              <a:buNone/>
-            </a:pPr>
-            <a:r>
-              <a:rPr lang="en-US" altLang="zh-CN" dirty="0">
-                <a:solidFill>
-                  <a:srgbClr val="00B0F0"/>
-                </a:solidFill>
-              </a:rPr>
-              <a:t>        ),</a:t>
-            </a:r>
-          </a:p>
-          <a:p>
-            <a:pPr marL="0" indent="0">
-              <a:buNone/>
-            </a:pPr>
-            <a:r>
-              <a:rPr lang="en-US" altLang="zh-CN" dirty="0">
-                <a:solidFill>
-                  <a:srgbClr val="00B0F0"/>
-                </a:solidFill>
-              </a:rPr>
-              <a:t>        b5.rast                     -- Band 5</a:t>
-            </a:r>
-          </a:p>
-          <a:p>
-            <a:pPr marL="0" indent="0">
-              <a:buNone/>
-            </a:pPr>
-            <a:r>
-              <a:rPr lang="en-US" altLang="zh-CN" dirty="0">
-                <a:solidFill>
-                  <a:srgbClr val="00B0F0"/>
-                </a:solidFill>
-              </a:rPr>
-              <a:t>      ),</a:t>
-            </a:r>
-          </a:p>
-          <a:p>
-            <a:pPr marL="0" indent="0">
-              <a:buNone/>
-            </a:pPr>
-            <a:r>
-              <a:rPr lang="en-US" altLang="zh-CN" dirty="0">
-                <a:solidFill>
-                  <a:srgbClr val="00B0F0"/>
-                </a:solidFill>
-              </a:rPr>
-              <a:t>      b6.rast                       -- Band 6</a:t>
-            </a:r>
-          </a:p>
-          <a:p>
-            <a:pPr marL="0" indent="0">
-              <a:buNone/>
-            </a:pPr>
-            <a:r>
-              <a:rPr lang="en-US" altLang="zh-CN" dirty="0">
-                <a:solidFill>
-                  <a:srgbClr val="00B0F0"/>
-                </a:solidFill>
-              </a:rPr>
-              <a:t>    ),</a:t>
-            </a:r>
-          </a:p>
-          <a:p>
-            <a:pPr marL="0" indent="0">
-              <a:buNone/>
-            </a:pPr>
-            <a:r>
-              <a:rPr lang="en-US" altLang="zh-CN" dirty="0">
-                <a:solidFill>
-                  <a:srgbClr val="00B0F0"/>
-                </a:solidFill>
-              </a:rPr>
-              <a:t>    b7.rast                         -- Band 7</a:t>
-            </a:r>
-          </a:p>
-          <a:p>
-            <a:pPr marL="0" indent="0">
-              <a:buNone/>
-            </a:pPr>
-            <a:r>
-              <a:rPr lang="en-US" altLang="zh-CN" dirty="0">
-                <a:solidFill>
-                  <a:srgbClr val="00B0F0"/>
-                </a:solidFill>
-              </a:rPr>
-              <a:t>  ) AS </a:t>
-            </a:r>
-            <a:r>
-              <a:rPr lang="en-US" altLang="zh-CN" dirty="0" err="1">
-                <a:solidFill>
-                  <a:srgbClr val="00B0F0"/>
-                </a:solidFill>
-              </a:rPr>
-              <a:t>rast</a:t>
-            </a:r>
-            <a:endParaRPr lang="en-US" altLang="zh-CN" dirty="0">
-              <a:solidFill>
-                <a:srgbClr val="00B0F0"/>
-              </a:solidFill>
-            </a:endParaRPr>
-          </a:p>
-          <a:p>
-            <a:pPr marL="0" indent="0">
-              <a:buNone/>
-            </a:pPr>
-            <a:r>
-              <a:rPr lang="en-US" altLang="zh-CN" dirty="0">
-                <a:solidFill>
-                  <a:srgbClr val="00B0F0"/>
-                </a:solidFill>
-              </a:rPr>
-              <a:t>FROM ch12.b1 AS b1</a:t>
-            </a:r>
-          </a:p>
-          <a:p>
-            <a:pPr marL="0" indent="0">
-              <a:buNone/>
-            </a:pPr>
-            <a:r>
-              <a:rPr lang="en-US" altLang="zh-CN" dirty="0">
-                <a:solidFill>
-                  <a:srgbClr val="00B0F0"/>
-                </a:solidFill>
-              </a:rPr>
-              <a:t>JOIN ch12.b2 AS b2 ON b1.rid = b2.rid</a:t>
-            </a:r>
-          </a:p>
-          <a:p>
-            <a:pPr marL="0" indent="0">
-              <a:buNone/>
-            </a:pPr>
-            <a:r>
-              <a:rPr lang="en-US" altLang="zh-CN" dirty="0">
-                <a:solidFill>
-                  <a:srgbClr val="00B0F0"/>
-                </a:solidFill>
-              </a:rPr>
-              <a:t>JOIN ch12.b3 AS b3 ON b1.rid = b3.rid</a:t>
-            </a:r>
-          </a:p>
-          <a:p>
-            <a:pPr marL="0" indent="0">
-              <a:buNone/>
-            </a:pPr>
-            <a:r>
-              <a:rPr lang="en-US" altLang="zh-CN" dirty="0">
-                <a:solidFill>
-                  <a:srgbClr val="00B0F0"/>
-                </a:solidFill>
-              </a:rPr>
-              <a:t>JOIN ch12.b4 AS b4 ON b1.rid = b4.rid</a:t>
-            </a:r>
-          </a:p>
-          <a:p>
-            <a:pPr marL="0" indent="0">
-              <a:buNone/>
-            </a:pPr>
-            <a:r>
-              <a:rPr lang="en-US" altLang="zh-CN" dirty="0">
-                <a:solidFill>
-                  <a:srgbClr val="00B0F0"/>
-                </a:solidFill>
-              </a:rPr>
-              <a:t>JOIN ch12.b5 AS b5 ON b1.rid = b5.rid</a:t>
-            </a:r>
-          </a:p>
-          <a:p>
-            <a:pPr marL="0" indent="0">
-              <a:buNone/>
-            </a:pPr>
-            <a:r>
-              <a:rPr lang="en-US" altLang="zh-CN" dirty="0">
-                <a:solidFill>
-                  <a:srgbClr val="00B0F0"/>
-                </a:solidFill>
-              </a:rPr>
-              <a:t>JOIN ch12.b6 AS b6 ON b1.rid = b6.rid</a:t>
-            </a:r>
-          </a:p>
-          <a:p>
-            <a:pPr marL="0" indent="0">
-              <a:buNone/>
-            </a:pPr>
-            <a:r>
-              <a:rPr lang="en-US" altLang="zh-CN" dirty="0">
-                <a:solidFill>
-                  <a:srgbClr val="00B0F0"/>
-                </a:solidFill>
-              </a:rPr>
-              <a:t>JOIN ch12.b7 AS b7 ON b1.rid = b7.rid;</a:t>
-            </a:r>
-            <a:endParaRPr lang="zh-CN" altLang="en-US" dirty="0">
-              <a:solidFill>
-                <a:srgbClr val="00B0F0"/>
-              </a:solidFill>
-            </a:endParaRPr>
+            <a:r>
+              <a:rPr lang="en-US" altLang="zh-CN" dirty="0"/>
+              <a:t>Merge b1,b2,b3,b4</a:t>
+            </a:r>
+            <a:endParaRPr lang="zh-CN" altLang="en-US" dirty="0"/>
           </a:p>
         </p:txBody>
       </p:sp>
@@ -5870,7 +5490,7 @@
           <p:cNvPr id="4" name="Title 1">
             <a:extLst>
               <a:ext uri="{FF2B5EF4-FFF2-40B4-BE49-F238E27FC236}">
-                <a16:creationId xmlns:a16="http://schemas.microsoft.com/office/drawing/2014/main" id="{33553E1B-52F0-1D7B-D5D0-2A2A0BAEAB71}"/>
+                <a16:creationId xmlns:a16="http://schemas.microsoft.com/office/drawing/2014/main" id="{86AF9FF7-AD7F-E3FE-F15C-87B91CF332B5}"/>
               </a:ext>
             </a:extLst>
           </p:cNvPr>
@@ -5884,7 +5504,7 @@
         <p:spPr>
           <a:xfrm>
             <a:off x="581025" y="701675"/>
-            <a:ext cx="11029950" cy="596773"/>
+            <a:ext cx="11029950" cy="615061"/>
           </a:xfrm>
         </p:spPr>
         <p:txBody>
@@ -5893,7 +5513,7 @@
           <a:p>
             <a:r>
               <a:rPr lang="en-US" altLang="zh-CN" dirty="0"/>
-              <a:t>Exercise: Merge seven bands</a:t>
+              <a:t>Exercise 02: Merge four band</a:t>
             </a:r>
             <a:endParaRPr lang="zh-CN" altLang="en-US" dirty="0"/>
           </a:p>
@@ -5902,7 +5522,7 @@
     </p:spTree>
     <p:extLst>
       <p:ext uri="{BB962C8B-B14F-4D97-AF65-F5344CB8AC3E}">
-        <p14:creationId xmlns:p14="http://schemas.microsoft.com/office/powerpoint/2010/main" val="213320588"/>
+        <p14:creationId xmlns:p14="http://schemas.microsoft.com/office/powerpoint/2010/main" val="3672722348"/>
       </p:ext>
     </p:extLst>
   </p:cSld>
@@ -5931,6 +5551,590 @@
       </p:grpSpPr>
       <p:sp>
         <p:nvSpPr>
+          <p:cNvPr id="3" name="Content Placeholder 2">
+            <a:extLst>
+              <a:ext uri="{FF2B5EF4-FFF2-40B4-BE49-F238E27FC236}">
+                <a16:creationId xmlns:a16="http://schemas.microsoft.com/office/drawing/2014/main" id="{86C3CDA7-95EA-5399-6678-FBB9076C0974}"/>
+              </a:ext>
+            </a:extLst>
+          </p:cNvPr>
+          <p:cNvSpPr>
+            <a:spLocks noGrp="1"/>
+          </p:cNvSpPr>
+          <p:nvPr>
+            <p:ph idx="1"/>
+          </p:nvPr>
+        </p:nvSpPr>
+        <p:spPr>
+          <a:xfrm>
+            <a:off x="5519121" y="1435608"/>
+            <a:ext cx="2024680" cy="5138928"/>
+          </a:xfrm>
+        </p:spPr>
+        <p:txBody>
+          <a:bodyPr>
+            <a:normAutofit fontScale="32500" lnSpcReduction="20000"/>
+          </a:bodyPr>
+          <a:lstStyle/>
+          <a:p>
+            <a:pPr marL="0" indent="0">
+              <a:buNone/>
+            </a:pPr>
+            <a:r>
+              <a:rPr lang="en-US" altLang="zh-CN" dirty="0">
+                <a:solidFill>
+                  <a:srgbClr val="00B0F0"/>
+                </a:solidFill>
+              </a:rPr>
+              <a:t>CREATE TABLE ch12.landsat AS</a:t>
+            </a:r>
+          </a:p>
+          <a:p>
+            <a:pPr marL="0" indent="0">
+              <a:buNone/>
+            </a:pPr>
+            <a:r>
+              <a:rPr lang="en-US" altLang="zh-CN" dirty="0">
+                <a:solidFill>
+                  <a:srgbClr val="00B0F0"/>
+                </a:solidFill>
+              </a:rPr>
+              <a:t>SELECT</a:t>
+            </a:r>
+          </a:p>
+          <a:p>
+            <a:pPr marL="0" indent="0">
+              <a:buNone/>
+            </a:pPr>
+            <a:r>
+              <a:rPr lang="en-US" altLang="zh-CN" dirty="0">
+                <a:solidFill>
+                  <a:srgbClr val="00B0F0"/>
+                </a:solidFill>
+              </a:rPr>
+              <a:t>  b1.rid,</a:t>
+            </a:r>
+          </a:p>
+          <a:p>
+            <a:pPr marL="0" indent="0">
+              <a:buNone/>
+            </a:pPr>
+            <a:r>
+              <a:rPr lang="en-US" altLang="zh-CN" dirty="0">
+                <a:solidFill>
+                  <a:srgbClr val="00B0F0"/>
+                </a:solidFill>
+              </a:rPr>
+              <a:t>  </a:t>
+            </a:r>
+            <a:r>
+              <a:rPr lang="en-US" altLang="zh-CN" dirty="0" err="1">
+                <a:solidFill>
+                  <a:srgbClr val="00B0F0"/>
+                </a:solidFill>
+              </a:rPr>
+              <a:t>ST_AddBand</a:t>
+            </a:r>
+            <a:r>
+              <a:rPr lang="en-US" altLang="zh-CN" dirty="0">
+                <a:solidFill>
+                  <a:srgbClr val="00B0F0"/>
+                </a:solidFill>
+              </a:rPr>
+              <a:t>(</a:t>
+            </a:r>
+          </a:p>
+          <a:p>
+            <a:pPr marL="0" indent="0">
+              <a:buNone/>
+            </a:pPr>
+            <a:r>
+              <a:rPr lang="en-US" altLang="zh-CN" dirty="0">
+                <a:solidFill>
+                  <a:srgbClr val="00B0F0"/>
+                </a:solidFill>
+              </a:rPr>
+              <a:t>    </a:t>
+            </a:r>
+            <a:r>
+              <a:rPr lang="en-US" altLang="zh-CN" dirty="0" err="1">
+                <a:solidFill>
+                  <a:srgbClr val="00B0F0"/>
+                </a:solidFill>
+              </a:rPr>
+              <a:t>ST_AddBand</a:t>
+            </a:r>
+            <a:r>
+              <a:rPr lang="en-US" altLang="zh-CN" dirty="0">
+                <a:solidFill>
+                  <a:srgbClr val="00B0F0"/>
+                </a:solidFill>
+              </a:rPr>
+              <a:t>(</a:t>
+            </a:r>
+          </a:p>
+          <a:p>
+            <a:pPr marL="0" indent="0">
+              <a:buNone/>
+            </a:pPr>
+            <a:r>
+              <a:rPr lang="en-US" altLang="zh-CN" dirty="0">
+                <a:solidFill>
+                  <a:srgbClr val="00B0F0"/>
+                </a:solidFill>
+              </a:rPr>
+              <a:t>      </a:t>
+            </a:r>
+            <a:r>
+              <a:rPr lang="en-US" altLang="zh-CN" dirty="0" err="1">
+                <a:solidFill>
+                  <a:srgbClr val="00B0F0"/>
+                </a:solidFill>
+              </a:rPr>
+              <a:t>ST_AddBand</a:t>
+            </a:r>
+            <a:r>
+              <a:rPr lang="en-US" altLang="zh-CN" dirty="0">
+                <a:solidFill>
+                  <a:srgbClr val="00B0F0"/>
+                </a:solidFill>
+              </a:rPr>
+              <a:t>(</a:t>
+            </a:r>
+          </a:p>
+          <a:p>
+            <a:pPr marL="0" indent="0">
+              <a:buNone/>
+            </a:pPr>
+            <a:r>
+              <a:rPr lang="en-US" altLang="zh-CN" dirty="0">
+                <a:solidFill>
+                  <a:srgbClr val="00B0F0"/>
+                </a:solidFill>
+              </a:rPr>
+              <a:t>        </a:t>
+            </a:r>
+            <a:r>
+              <a:rPr lang="en-US" altLang="zh-CN" dirty="0" err="1">
+                <a:solidFill>
+                  <a:srgbClr val="00B0F0"/>
+                </a:solidFill>
+              </a:rPr>
+              <a:t>ST_AddBand</a:t>
+            </a:r>
+            <a:r>
+              <a:rPr lang="en-US" altLang="zh-CN" dirty="0">
+                <a:solidFill>
+                  <a:srgbClr val="00B0F0"/>
+                </a:solidFill>
+              </a:rPr>
+              <a:t>(</a:t>
+            </a:r>
+          </a:p>
+          <a:p>
+            <a:pPr marL="0" indent="0">
+              <a:buNone/>
+            </a:pPr>
+            <a:r>
+              <a:rPr lang="en-US" altLang="zh-CN" dirty="0">
+                <a:solidFill>
+                  <a:srgbClr val="00B0F0"/>
+                </a:solidFill>
+              </a:rPr>
+              <a:t>          </a:t>
+            </a:r>
+            <a:r>
+              <a:rPr lang="en-US" altLang="zh-CN" dirty="0" err="1">
+                <a:solidFill>
+                  <a:srgbClr val="00B0F0"/>
+                </a:solidFill>
+              </a:rPr>
+              <a:t>ST_AddBand</a:t>
+            </a:r>
+            <a:r>
+              <a:rPr lang="en-US" altLang="zh-CN" dirty="0">
+                <a:solidFill>
+                  <a:srgbClr val="00B0F0"/>
+                </a:solidFill>
+              </a:rPr>
+              <a:t>(</a:t>
+            </a:r>
+          </a:p>
+          <a:p>
+            <a:pPr marL="0" indent="0">
+              <a:buNone/>
+            </a:pPr>
+            <a:r>
+              <a:rPr lang="en-US" altLang="zh-CN" dirty="0">
+                <a:solidFill>
+                  <a:srgbClr val="00B0F0"/>
+                </a:solidFill>
+              </a:rPr>
+              <a:t>            </a:t>
+            </a:r>
+            <a:r>
+              <a:rPr lang="en-US" altLang="zh-CN" dirty="0" err="1">
+                <a:solidFill>
+                  <a:srgbClr val="00B0F0"/>
+                </a:solidFill>
+              </a:rPr>
+              <a:t>ST_AddBand</a:t>
+            </a:r>
+            <a:r>
+              <a:rPr lang="en-US" altLang="zh-CN" dirty="0">
+                <a:solidFill>
+                  <a:srgbClr val="00B0F0"/>
+                </a:solidFill>
+              </a:rPr>
+              <a:t>(</a:t>
+            </a:r>
+          </a:p>
+          <a:p>
+            <a:pPr marL="0" indent="0">
+              <a:buNone/>
+            </a:pPr>
+            <a:r>
+              <a:rPr lang="en-US" altLang="zh-CN" dirty="0">
+                <a:solidFill>
+                  <a:srgbClr val="00B0F0"/>
+                </a:solidFill>
+              </a:rPr>
+              <a:t>              b1.rast,              -- Band 1</a:t>
+            </a:r>
+          </a:p>
+          <a:p>
+            <a:pPr marL="0" indent="0">
+              <a:buNone/>
+            </a:pPr>
+            <a:r>
+              <a:rPr lang="en-US" altLang="zh-CN" dirty="0">
+                <a:solidFill>
+                  <a:srgbClr val="00B0F0"/>
+                </a:solidFill>
+              </a:rPr>
+              <a:t>              b2.rast               -- Band 2</a:t>
+            </a:r>
+          </a:p>
+          <a:p>
+            <a:pPr marL="0" indent="0">
+              <a:buNone/>
+            </a:pPr>
+            <a:r>
+              <a:rPr lang="en-US" altLang="zh-CN" dirty="0">
+                <a:solidFill>
+                  <a:srgbClr val="00B0F0"/>
+                </a:solidFill>
+              </a:rPr>
+              <a:t>            ),</a:t>
+            </a:r>
+          </a:p>
+          <a:p>
+            <a:pPr marL="0" indent="0">
+              <a:buNone/>
+            </a:pPr>
+            <a:r>
+              <a:rPr lang="en-US" altLang="zh-CN" dirty="0">
+                <a:solidFill>
+                  <a:srgbClr val="00B0F0"/>
+                </a:solidFill>
+              </a:rPr>
+              <a:t>            b3.rast                 -- Band 3</a:t>
+            </a:r>
+          </a:p>
+          <a:p>
+            <a:pPr marL="0" indent="0">
+              <a:buNone/>
+            </a:pPr>
+            <a:r>
+              <a:rPr lang="en-US" altLang="zh-CN" dirty="0">
+                <a:solidFill>
+                  <a:srgbClr val="00B0F0"/>
+                </a:solidFill>
+              </a:rPr>
+              <a:t>          ),</a:t>
+            </a:r>
+          </a:p>
+          <a:p>
+            <a:pPr marL="0" indent="0">
+              <a:buNone/>
+            </a:pPr>
+            <a:r>
+              <a:rPr lang="en-US" altLang="zh-CN" dirty="0">
+                <a:solidFill>
+                  <a:srgbClr val="00B0F0"/>
+                </a:solidFill>
+              </a:rPr>
+              <a:t>          b4.rast                   -- Band 4</a:t>
+            </a:r>
+          </a:p>
+          <a:p>
+            <a:pPr marL="0" indent="0">
+              <a:buNone/>
+            </a:pPr>
+            <a:r>
+              <a:rPr lang="en-US" altLang="zh-CN" dirty="0">
+                <a:solidFill>
+                  <a:srgbClr val="00B0F0"/>
+                </a:solidFill>
+              </a:rPr>
+              <a:t>        ),</a:t>
+            </a:r>
+          </a:p>
+          <a:p>
+            <a:pPr marL="0" indent="0">
+              <a:buNone/>
+            </a:pPr>
+            <a:r>
+              <a:rPr lang="en-US" altLang="zh-CN" dirty="0">
+                <a:solidFill>
+                  <a:srgbClr val="00B0F0"/>
+                </a:solidFill>
+              </a:rPr>
+              <a:t>        b5.rast                     -- Band 5</a:t>
+            </a:r>
+          </a:p>
+          <a:p>
+            <a:pPr marL="0" indent="0">
+              <a:buNone/>
+            </a:pPr>
+            <a:r>
+              <a:rPr lang="en-US" altLang="zh-CN" dirty="0">
+                <a:solidFill>
+                  <a:srgbClr val="00B0F0"/>
+                </a:solidFill>
+              </a:rPr>
+              <a:t>      ),</a:t>
+            </a:r>
+          </a:p>
+          <a:p>
+            <a:pPr marL="0" indent="0">
+              <a:buNone/>
+            </a:pPr>
+            <a:r>
+              <a:rPr lang="en-US" altLang="zh-CN" dirty="0">
+                <a:solidFill>
+                  <a:srgbClr val="00B0F0"/>
+                </a:solidFill>
+              </a:rPr>
+              <a:t>      b6.rast                       -- Band 6</a:t>
+            </a:r>
+          </a:p>
+          <a:p>
+            <a:pPr marL="0" indent="0">
+              <a:buNone/>
+            </a:pPr>
+            <a:r>
+              <a:rPr lang="en-US" altLang="zh-CN" dirty="0">
+                <a:solidFill>
+                  <a:srgbClr val="00B0F0"/>
+                </a:solidFill>
+              </a:rPr>
+              <a:t>    ),</a:t>
+            </a:r>
+          </a:p>
+          <a:p>
+            <a:pPr marL="0" indent="0">
+              <a:buNone/>
+            </a:pPr>
+            <a:r>
+              <a:rPr lang="en-US" altLang="zh-CN" dirty="0">
+                <a:solidFill>
+                  <a:srgbClr val="00B0F0"/>
+                </a:solidFill>
+              </a:rPr>
+              <a:t>    b7.rast                         -- Band 7</a:t>
+            </a:r>
+          </a:p>
+          <a:p>
+            <a:pPr marL="0" indent="0">
+              <a:buNone/>
+            </a:pPr>
+            <a:r>
+              <a:rPr lang="en-US" altLang="zh-CN" dirty="0">
+                <a:solidFill>
+                  <a:srgbClr val="00B0F0"/>
+                </a:solidFill>
+              </a:rPr>
+              <a:t>  ) AS </a:t>
+            </a:r>
+            <a:r>
+              <a:rPr lang="en-US" altLang="zh-CN" dirty="0" err="1">
+                <a:solidFill>
+                  <a:srgbClr val="00B0F0"/>
+                </a:solidFill>
+              </a:rPr>
+              <a:t>rast</a:t>
+            </a:r>
+            <a:endParaRPr lang="en-US" altLang="zh-CN" dirty="0">
+              <a:solidFill>
+                <a:srgbClr val="00B0F0"/>
+              </a:solidFill>
+            </a:endParaRPr>
+          </a:p>
+          <a:p>
+            <a:pPr marL="0" indent="0">
+              <a:buNone/>
+            </a:pPr>
+            <a:r>
+              <a:rPr lang="en-US" altLang="zh-CN" dirty="0">
+                <a:solidFill>
+                  <a:srgbClr val="00B0F0"/>
+                </a:solidFill>
+              </a:rPr>
+              <a:t>FROM ch12.b1 AS b1</a:t>
+            </a:r>
+          </a:p>
+          <a:p>
+            <a:pPr marL="0" indent="0">
+              <a:buNone/>
+            </a:pPr>
+            <a:r>
+              <a:rPr lang="en-US" altLang="zh-CN" dirty="0">
+                <a:solidFill>
+                  <a:srgbClr val="00B0F0"/>
+                </a:solidFill>
+              </a:rPr>
+              <a:t>JOIN ch12.b2 AS b2 ON b1.rid = b2.rid</a:t>
+            </a:r>
+          </a:p>
+          <a:p>
+            <a:pPr marL="0" indent="0">
+              <a:buNone/>
+            </a:pPr>
+            <a:r>
+              <a:rPr lang="en-US" altLang="zh-CN" dirty="0">
+                <a:solidFill>
+                  <a:srgbClr val="00B0F0"/>
+                </a:solidFill>
+              </a:rPr>
+              <a:t>JOIN ch12.b3 AS b3 ON b1.rid = b3.rid</a:t>
+            </a:r>
+          </a:p>
+          <a:p>
+            <a:pPr marL="0" indent="0">
+              <a:buNone/>
+            </a:pPr>
+            <a:r>
+              <a:rPr lang="en-US" altLang="zh-CN" dirty="0">
+                <a:solidFill>
+                  <a:srgbClr val="00B0F0"/>
+                </a:solidFill>
+              </a:rPr>
+              <a:t>JOIN ch12.b4 AS b4 ON b1.rid = b4.rid</a:t>
+            </a:r>
+          </a:p>
+          <a:p>
+            <a:pPr marL="0" indent="0">
+              <a:buNone/>
+            </a:pPr>
+            <a:r>
+              <a:rPr lang="en-US" altLang="zh-CN" dirty="0">
+                <a:solidFill>
+                  <a:srgbClr val="00B0F0"/>
+                </a:solidFill>
+              </a:rPr>
+              <a:t>JOIN ch12.b5 AS b5 ON b1.rid = b5.rid</a:t>
+            </a:r>
+          </a:p>
+          <a:p>
+            <a:pPr marL="0" indent="0">
+              <a:buNone/>
+            </a:pPr>
+            <a:r>
+              <a:rPr lang="en-US" altLang="zh-CN" dirty="0">
+                <a:solidFill>
+                  <a:srgbClr val="00B0F0"/>
+                </a:solidFill>
+              </a:rPr>
+              <a:t>JOIN ch12.b6 AS b6 ON b1.rid = b6.rid</a:t>
+            </a:r>
+          </a:p>
+          <a:p>
+            <a:pPr marL="0" indent="0">
+              <a:buNone/>
+            </a:pPr>
+            <a:r>
+              <a:rPr lang="en-US" altLang="zh-CN" dirty="0">
+                <a:solidFill>
+                  <a:srgbClr val="00B0F0"/>
+                </a:solidFill>
+              </a:rPr>
+              <a:t>JOIN ch12.b7 AS b7 ON b1.rid = b7.rid;</a:t>
+            </a:r>
+            <a:endParaRPr lang="zh-CN" altLang="en-US" dirty="0">
+              <a:solidFill>
+                <a:srgbClr val="00B0F0"/>
+              </a:solidFill>
+            </a:endParaRPr>
+          </a:p>
+        </p:txBody>
+      </p:sp>
+      <p:sp>
+        <p:nvSpPr>
+          <p:cNvPr id="4" name="Title 1">
+            <a:extLst>
+              <a:ext uri="{FF2B5EF4-FFF2-40B4-BE49-F238E27FC236}">
+                <a16:creationId xmlns:a16="http://schemas.microsoft.com/office/drawing/2014/main" id="{33553E1B-52F0-1D7B-D5D0-2A2A0BAEAB71}"/>
+              </a:ext>
+            </a:extLst>
+          </p:cNvPr>
+          <p:cNvSpPr>
+            <a:spLocks noGrp="1"/>
+          </p:cNvSpPr>
+          <p:nvPr>
+            <p:ph type="title"/>
+          </p:nvPr>
+        </p:nvSpPr>
+        <p:spPr>
+          <a:xfrm>
+            <a:off x="581025" y="701675"/>
+            <a:ext cx="11029950" cy="596773"/>
+          </a:xfrm>
+        </p:spPr>
+        <p:txBody>
+          <a:bodyPr/>
+          <a:lstStyle/>
+          <a:p>
+            <a:r>
+              <a:rPr lang="en-US" altLang="zh-CN" dirty="0"/>
+              <a:t>Exercise: Merge seven bands</a:t>
+            </a:r>
+            <a:endParaRPr lang="zh-CN" altLang="en-US" dirty="0"/>
+          </a:p>
+        </p:txBody>
+      </p:sp>
+    </p:spTree>
+    <p:extLst>
+      <p:ext uri="{BB962C8B-B14F-4D97-AF65-F5344CB8AC3E}">
+        <p14:creationId xmlns:p14="http://schemas.microsoft.com/office/powerpoint/2010/main" val="213320588"/>
+      </p:ext>
+    </p:extLst>
+  </p:cSld>
+  <p:clrMapOvr>
+    <a:masterClrMapping/>
+  </p:clrMapOvr>
+</p:sld>
+</file>
+
+<file path=ppt/slides/slide14.xml><?xml version="1.0" encoding="utf-8"?>
+<p:sld xmlns:a="http://schemas.openxmlformats.org/drawingml/2006/main" xmlns:r="http://schemas.openxmlformats.org/officeDocument/2006/relationships" xmlns:p="http://schemas.openxmlformats.org/presentationml/2006/main">
+  <p:cSld>
+    <p:spTree>
+      <p:nvGrpSpPr>
+        <p:cNvPr id="1" name=""/>
+        <p:cNvGrpSpPr/>
+        <p:nvPr/>
+      </p:nvGrpSpPr>
+      <p:grpSpPr>
+        <a:xfrm>
+          <a:off x="0" y="0"/>
+          <a:ext cx="0" cy="0"/>
+          <a:chOff x="0" y="0"/>
+          <a:chExt cx="0" cy="0"/>
+        </a:xfrm>
+      </p:grpSpPr>
+      <p:sp>
+        <p:nvSpPr>
           <p:cNvPr id="2" name="Title 1">
             <a:extLst>
               <a:ext uri="{FF2B5EF4-FFF2-40B4-BE49-F238E27FC236}">
@@ -6042,7 +6246,7 @@
 </p:sld>
 </file>
 
-<file path=ppt/slides/slide14.xml><?xml version="1.0" encoding="utf-8"?>
+<file path=ppt/slides/slide15.xml><?xml version="1.0" encoding="utf-8"?>
 <p:sld xmlns:a="http://schemas.openxmlformats.org/drawingml/2006/main" xmlns:r="http://schemas.openxmlformats.org/officeDocument/2006/relationships" xmlns:p="http://schemas.openxmlformats.org/presentationml/2006/main">
   <p:cSld>
     <p:spTree>
@@ -6428,184 +6632,6 @@
 </p:sld>
 </file>
 
-<file path=ppt/slides/slide15.xml><?xml version="1.0" encoding="utf-8"?>
-<p:sld xmlns:a="http://schemas.openxmlformats.org/drawingml/2006/main" xmlns:r="http://schemas.openxmlformats.org/officeDocument/2006/relationships" xmlns:p="http://schemas.openxmlformats.org/presentationml/2006/main">
-  <p:cSld>
-    <p:spTree>
-      <p:nvGrpSpPr>
-        <p:cNvPr id="1" name=""/>
-        <p:cNvGrpSpPr/>
-        <p:nvPr/>
-      </p:nvGrpSpPr>
-      <p:grpSpPr>
-        <a:xfrm>
-          <a:off x="0" y="0"/>
-          <a:ext cx="0" cy="0"/>
-          <a:chOff x="0" y="0"/>
-          <a:chExt cx="0" cy="0"/>
-        </a:xfrm>
-      </p:grpSpPr>
-      <p:sp>
-        <p:nvSpPr>
-          <p:cNvPr id="9" name="Content Placeholder 8">
-            <a:extLst>
-              <a:ext uri="{FF2B5EF4-FFF2-40B4-BE49-F238E27FC236}">
-                <a16:creationId xmlns:a16="http://schemas.microsoft.com/office/drawing/2014/main" id="{E6378882-4259-B6F2-C332-85060FE7AC33}"/>
-              </a:ext>
-            </a:extLst>
-          </p:cNvPr>
-          <p:cNvSpPr>
-            <a:spLocks noGrp="1"/>
-          </p:cNvSpPr>
-          <p:nvPr>
-            <p:ph idx="1"/>
-          </p:nvPr>
-        </p:nvSpPr>
-        <p:spPr>
-          <a:xfrm>
-            <a:off x="581193" y="1435371"/>
-            <a:ext cx="11029615" cy="910068"/>
-          </a:xfrm>
-        </p:spPr>
-        <p:txBody>
-          <a:bodyPr/>
-          <a:lstStyle/>
-          <a:p>
-            <a:r>
-              <a:rPr lang="en-US" altLang="zh-CN" dirty="0"/>
-              <a:t>Calculate the band statistics for band 3 in ch12.landsat</a:t>
-            </a:r>
-            <a:endParaRPr lang="zh-CN" altLang="en-US" dirty="0"/>
-          </a:p>
-        </p:txBody>
-      </p:sp>
-      <p:sp>
-        <p:nvSpPr>
-          <p:cNvPr id="10" name="Title 1">
-            <a:extLst>
-              <a:ext uri="{FF2B5EF4-FFF2-40B4-BE49-F238E27FC236}">
-                <a16:creationId xmlns:a16="http://schemas.microsoft.com/office/drawing/2014/main" id="{69A08D1B-37C2-230D-DB8B-F181604EACE8}"/>
-              </a:ext>
-            </a:extLst>
-          </p:cNvPr>
-          <p:cNvSpPr txBox="1">
-            <a:spLocks/>
-          </p:cNvSpPr>
-          <p:nvPr/>
-        </p:nvSpPr>
-        <p:spPr>
-          <a:xfrm>
-            <a:off x="581192" y="702156"/>
-            <a:ext cx="11029616" cy="532755"/>
-          </a:xfrm>
-          <a:prstGeom prst="rect">
-            <a:avLst/>
-          </a:prstGeom>
-        </p:spPr>
-        <p:txBody>
-          <a:bodyPr vert="horz" lIns="91440" tIns="45720" rIns="91440" bIns="45720" rtlCol="0" anchor="b">
-            <a:normAutofit/>
-          </a:bodyPr>
-          <a:lstStyle>
-            <a:lvl1pPr algn="l" defTabSz="457200" rtl="0" eaLnBrk="1" latinLnBrk="0" hangingPunct="1">
-              <a:lnSpc>
-                <a:spcPct val="100000"/>
-              </a:lnSpc>
-              <a:spcBef>
-                <a:spcPct val="0"/>
-              </a:spcBef>
-              <a:buNone/>
-              <a:defRPr sz="2800" b="0" kern="1200" cap="all">
-                <a:solidFill>
-                  <a:schemeClr val="tx1">
-                    <a:lumMod val="75000"/>
-                    <a:lumOff val="25000"/>
-                  </a:schemeClr>
-                </a:solidFill>
-                <a:latin typeface="+mj-lt"/>
-                <a:ea typeface="+mj-ea"/>
-                <a:cs typeface="+mj-cs"/>
-              </a:defRPr>
-            </a:lvl1pPr>
-            <a:lvl2pPr eaLnBrk="1" hangingPunct="1">
-              <a:defRPr>
-                <a:solidFill>
-                  <a:schemeClr val="tx2"/>
-                </a:solidFill>
-              </a:defRPr>
-            </a:lvl2pPr>
-            <a:lvl3pPr eaLnBrk="1" hangingPunct="1">
-              <a:defRPr>
-                <a:solidFill>
-                  <a:schemeClr val="tx2"/>
-                </a:solidFill>
-              </a:defRPr>
-            </a:lvl3pPr>
-            <a:lvl4pPr eaLnBrk="1" hangingPunct="1">
-              <a:defRPr>
-                <a:solidFill>
-                  <a:schemeClr val="tx2"/>
-                </a:solidFill>
-              </a:defRPr>
-            </a:lvl4pPr>
-            <a:lvl5pPr eaLnBrk="1" hangingPunct="1">
-              <a:defRPr>
-                <a:solidFill>
-                  <a:schemeClr val="tx2"/>
-                </a:solidFill>
-              </a:defRPr>
-            </a:lvl5pPr>
-            <a:lvl6pPr eaLnBrk="1" hangingPunct="1">
-              <a:defRPr>
-                <a:solidFill>
-                  <a:schemeClr val="tx2"/>
-                </a:solidFill>
-              </a:defRPr>
-            </a:lvl6pPr>
-            <a:lvl7pPr eaLnBrk="1" hangingPunct="1">
-              <a:defRPr>
-                <a:solidFill>
-                  <a:schemeClr val="tx2"/>
-                </a:solidFill>
-              </a:defRPr>
-            </a:lvl7pPr>
-            <a:lvl8pPr eaLnBrk="1" hangingPunct="1">
-              <a:defRPr>
-                <a:solidFill>
-                  <a:schemeClr val="tx2"/>
-                </a:solidFill>
-              </a:defRPr>
-            </a:lvl8pPr>
-            <a:lvl9pPr eaLnBrk="1" hangingPunct="1">
-              <a:defRPr>
-                <a:solidFill>
-                  <a:schemeClr val="tx2"/>
-                </a:solidFill>
-              </a:defRPr>
-            </a:lvl9pPr>
-          </a:lstStyle>
-          <a:p>
-            <a:r>
-              <a:rPr lang="en-US" altLang="zh-CN" dirty="0"/>
-              <a:t>Exercise: BAND STATISTICS for data with multiple band</a:t>
-            </a:r>
-            <a:endParaRPr lang="zh-CN" altLang="en-US" dirty="0"/>
-          </a:p>
-        </p:txBody>
-      </p:sp>
-    </p:spTree>
-    <p:extLst>
-      <p:ext uri="{BB962C8B-B14F-4D97-AF65-F5344CB8AC3E}">
-        <p14:creationId xmlns:p14="http://schemas.microsoft.com/office/powerpoint/2010/main" val="3683202325"/>
-      </p:ext>
-    </p:extLst>
-  </p:cSld>
-  <p:clrMapOvr>
-    <a:masterClrMapping/>
-  </p:clrMapOvr>
-</p:sld>
-</file>
-
 <file path=ppt/slides/slide16.xml><?xml version="1.0" encoding="utf-8"?>
 <p:sld xmlns:a="http://schemas.openxmlformats.org/drawingml/2006/main" xmlns:r="http://schemas.openxmlformats.org/officeDocument/2006/relationships" xmlns:p="http://schemas.openxmlformats.org/presentationml/2006/main">
   <p:cSld>
@@ -6625,6 +6651,184 @@
       </p:grpSpPr>
       <p:sp>
         <p:nvSpPr>
+          <p:cNvPr id="9" name="Content Placeholder 8">
+            <a:extLst>
+              <a:ext uri="{FF2B5EF4-FFF2-40B4-BE49-F238E27FC236}">
+                <a16:creationId xmlns:a16="http://schemas.microsoft.com/office/drawing/2014/main" id="{E6378882-4259-B6F2-C332-85060FE7AC33}"/>
+              </a:ext>
+            </a:extLst>
+          </p:cNvPr>
+          <p:cNvSpPr>
+            <a:spLocks noGrp="1"/>
+          </p:cNvSpPr>
+          <p:nvPr>
+            <p:ph idx="1"/>
+          </p:nvPr>
+        </p:nvSpPr>
+        <p:spPr>
+          <a:xfrm>
+            <a:off x="581193" y="1435371"/>
+            <a:ext cx="11029615" cy="910068"/>
+          </a:xfrm>
+        </p:spPr>
+        <p:txBody>
+          <a:bodyPr/>
+          <a:lstStyle/>
+          <a:p>
+            <a:r>
+              <a:rPr lang="en-US" altLang="zh-CN" dirty="0"/>
+              <a:t>Calculate the band statistics for band 3 in ch12.landsat</a:t>
+            </a:r>
+            <a:endParaRPr lang="zh-CN" altLang="en-US" dirty="0"/>
+          </a:p>
+        </p:txBody>
+      </p:sp>
+      <p:sp>
+        <p:nvSpPr>
+          <p:cNvPr id="10" name="Title 1">
+            <a:extLst>
+              <a:ext uri="{FF2B5EF4-FFF2-40B4-BE49-F238E27FC236}">
+                <a16:creationId xmlns:a16="http://schemas.microsoft.com/office/drawing/2014/main" id="{69A08D1B-37C2-230D-DB8B-F181604EACE8}"/>
+              </a:ext>
+            </a:extLst>
+          </p:cNvPr>
+          <p:cNvSpPr txBox="1">
+            <a:spLocks/>
+          </p:cNvSpPr>
+          <p:nvPr/>
+        </p:nvSpPr>
+        <p:spPr>
+          <a:xfrm>
+            <a:off x="581192" y="702156"/>
+            <a:ext cx="11029616" cy="532755"/>
+          </a:xfrm>
+          <a:prstGeom prst="rect">
+            <a:avLst/>
+          </a:prstGeom>
+        </p:spPr>
+        <p:txBody>
+          <a:bodyPr vert="horz" lIns="91440" tIns="45720" rIns="91440" bIns="45720" rtlCol="0" anchor="b">
+            <a:normAutofit/>
+          </a:bodyPr>
+          <a:lstStyle>
+            <a:lvl1pPr algn="l" defTabSz="457200" rtl="0" eaLnBrk="1" latinLnBrk="0" hangingPunct="1">
+              <a:lnSpc>
+                <a:spcPct val="100000"/>
+              </a:lnSpc>
+              <a:spcBef>
+                <a:spcPct val="0"/>
+              </a:spcBef>
+              <a:buNone/>
+              <a:defRPr sz="2800" b="0" kern="1200" cap="all">
+                <a:solidFill>
+                  <a:schemeClr val="tx1">
+                    <a:lumMod val="75000"/>
+                    <a:lumOff val="25000"/>
+                  </a:schemeClr>
+                </a:solidFill>
+                <a:latin typeface="+mj-lt"/>
+                <a:ea typeface="+mj-ea"/>
+                <a:cs typeface="+mj-cs"/>
+              </a:defRPr>
+            </a:lvl1pPr>
+            <a:lvl2pPr eaLnBrk="1" hangingPunct="1">
+              <a:defRPr>
+                <a:solidFill>
+                  <a:schemeClr val="tx2"/>
+                </a:solidFill>
+              </a:defRPr>
+            </a:lvl2pPr>
+            <a:lvl3pPr eaLnBrk="1" hangingPunct="1">
+              <a:defRPr>
+                <a:solidFill>
+                  <a:schemeClr val="tx2"/>
+                </a:solidFill>
+              </a:defRPr>
+            </a:lvl3pPr>
+            <a:lvl4pPr eaLnBrk="1" hangingPunct="1">
+              <a:defRPr>
+                <a:solidFill>
+                  <a:schemeClr val="tx2"/>
+                </a:solidFill>
+              </a:defRPr>
+            </a:lvl4pPr>
+            <a:lvl5pPr eaLnBrk="1" hangingPunct="1">
+              <a:defRPr>
+                <a:solidFill>
+                  <a:schemeClr val="tx2"/>
+                </a:solidFill>
+              </a:defRPr>
+            </a:lvl5pPr>
+            <a:lvl6pPr eaLnBrk="1" hangingPunct="1">
+              <a:defRPr>
+                <a:solidFill>
+                  <a:schemeClr val="tx2"/>
+                </a:solidFill>
+              </a:defRPr>
+            </a:lvl6pPr>
+            <a:lvl7pPr eaLnBrk="1" hangingPunct="1">
+              <a:defRPr>
+                <a:solidFill>
+                  <a:schemeClr val="tx2"/>
+                </a:solidFill>
+              </a:defRPr>
+            </a:lvl7pPr>
+            <a:lvl8pPr eaLnBrk="1" hangingPunct="1">
+              <a:defRPr>
+                <a:solidFill>
+                  <a:schemeClr val="tx2"/>
+                </a:solidFill>
+              </a:defRPr>
+            </a:lvl8pPr>
+            <a:lvl9pPr eaLnBrk="1" hangingPunct="1">
+              <a:defRPr>
+                <a:solidFill>
+                  <a:schemeClr val="tx2"/>
+                </a:solidFill>
+              </a:defRPr>
+            </a:lvl9pPr>
+          </a:lstStyle>
+          <a:p>
+            <a:r>
+              <a:rPr lang="en-US" altLang="zh-CN" dirty="0"/>
+              <a:t>Exercise: BAND STATISTICS for data with multiple band</a:t>
+            </a:r>
+            <a:endParaRPr lang="zh-CN" altLang="en-US" dirty="0"/>
+          </a:p>
+        </p:txBody>
+      </p:sp>
+    </p:spTree>
+    <p:extLst>
+      <p:ext uri="{BB962C8B-B14F-4D97-AF65-F5344CB8AC3E}">
+        <p14:creationId xmlns:p14="http://schemas.microsoft.com/office/powerpoint/2010/main" val="3683202325"/>
+      </p:ext>
+    </p:extLst>
+  </p:cSld>
+  <p:clrMapOvr>
+    <a:masterClrMapping/>
+  </p:clrMapOvr>
+</p:sld>
+</file>
+
+<file path=ppt/slides/slide17.xml><?xml version="1.0" encoding="utf-8"?>
+<p:sld xmlns:a="http://schemas.openxmlformats.org/drawingml/2006/main" xmlns:r="http://schemas.openxmlformats.org/officeDocument/2006/relationships" xmlns:p="http://schemas.openxmlformats.org/presentationml/2006/main">
+  <p:cSld>
+    <p:spTree>
+      <p:nvGrpSpPr>
+        <p:cNvPr id="1" name=""/>
+        <p:cNvGrpSpPr/>
+        <p:nvPr/>
+      </p:nvGrpSpPr>
+      <p:grpSpPr>
+        <a:xfrm>
+          <a:off x="0" y="0"/>
+          <a:ext cx="0" cy="0"/>
+          <a:chOff x="0" y="0"/>
+          <a:chExt cx="0" cy="0"/>
+        </a:xfrm>
+      </p:grpSpPr>
+      <p:sp>
+        <p:nvSpPr>
           <p:cNvPr id="2" name="Title 1">
             <a:extLst>
               <a:ext uri="{FF2B5EF4-FFF2-40B4-BE49-F238E27FC236}">
@@ -6661,8 +6865,8 @@
           </a:p>
         </p:txBody>
       </p:sp>
-      <mc:AlternateContent xmlns:mc="http://schemas.openxmlformats.org/markup-compatibility/2006">
-        <mc:Choice xmlns:a14="http://schemas.microsoft.com/office/drawing/2010/main" Requires="a14">
+      <mc:AlternateContent xmlns:mc="http://schemas.openxmlformats.org/markup-compatibility/2006" xmlns:a14="http://schemas.microsoft.com/office/drawing/2010/main">
+        <mc:Choice Requires="a14">
           <p:sp>
             <p:nvSpPr>
               <p:cNvPr id="3" name="Content Placeholder 2">
@@ -6798,7 +7002,7 @@
             </p:txBody>
           </p:sp>
         </mc:Choice>
-        <mc:Fallback>
+        <mc:Fallback xmlns="">
           <p:sp>
             <p:nvSpPr>
               <p:cNvPr id="3" name="Content Placeholder 2">
@@ -6855,326 +7059,6 @@
 </p:sld>
 </file>
 
-<file path=ppt/slides/slide17.xml><?xml version="1.0" encoding="utf-8"?>
-<p:sld xmlns:a="http://schemas.openxmlformats.org/drawingml/2006/main" xmlns:r="http://schemas.openxmlformats.org/officeDocument/2006/relationships" xmlns:p="http://schemas.openxmlformats.org/presentationml/2006/main">
-  <p:cSld>
-    <p:spTree>
-      <p:nvGrpSpPr>
-        <p:cNvPr id="1" name=""/>
-        <p:cNvGrpSpPr/>
-        <p:nvPr/>
-      </p:nvGrpSpPr>
-      <p:grpSpPr>
-        <a:xfrm>
-          <a:off x="0" y="0"/>
-          <a:ext cx="0" cy="0"/>
-          <a:chOff x="0" y="0"/>
-          <a:chExt cx="0" cy="0"/>
-        </a:xfrm>
-      </p:grpSpPr>
-      <p:sp>
-        <p:nvSpPr>
-          <p:cNvPr id="3" name="Content Placeholder 2">
-            <a:extLst>
-              <a:ext uri="{FF2B5EF4-FFF2-40B4-BE49-F238E27FC236}">
-                <a16:creationId xmlns:a16="http://schemas.microsoft.com/office/drawing/2014/main" id="{8AC9DB34-C6F5-7782-7D4C-D41785CB92B7}"/>
-              </a:ext>
-            </a:extLst>
-          </p:cNvPr>
-          <p:cNvSpPr>
-            <a:spLocks noGrp="1"/>
-          </p:cNvSpPr>
-          <p:nvPr>
-            <p:ph idx="1"/>
-          </p:nvPr>
-        </p:nvSpPr>
-        <p:spPr>
-          <a:xfrm>
-            <a:off x="3552993" y="2606040"/>
-            <a:ext cx="5837896" cy="3634486"/>
-          </a:xfrm>
-        </p:spPr>
-        <p:txBody>
-          <a:bodyPr>
-            <a:normAutofit/>
-          </a:bodyPr>
-          <a:lstStyle/>
-          <a:p>
-            <a:pPr marL="0" indent="0">
-              <a:buNone/>
-            </a:pPr>
-            <a:r>
-              <a:rPr lang="en-US" altLang="zh-CN" dirty="0"/>
-              <a:t>CREATE TABLE ch12.ndvi_raster AS</a:t>
-            </a:r>
-          </a:p>
-          <a:p>
-            <a:pPr marL="0" indent="0">
-              <a:buNone/>
-            </a:pPr>
-            <a:r>
-              <a:rPr lang="en-US" altLang="zh-CN" dirty="0"/>
-              <a:t>SELECT </a:t>
-            </a:r>
-          </a:p>
-          <a:p>
-            <a:pPr marL="0" indent="0">
-              <a:buNone/>
-            </a:pPr>
-            <a:r>
-              <a:rPr lang="en-US" altLang="zh-CN" dirty="0"/>
-              <a:t>  rid,</a:t>
-            </a:r>
-          </a:p>
-          <a:p>
-            <a:pPr marL="0" indent="0">
-              <a:buNone/>
-            </a:pPr>
-            <a:r>
-              <a:rPr lang="en-US" altLang="zh-CN" dirty="0"/>
-              <a:t>  </a:t>
-            </a:r>
-            <a:r>
-              <a:rPr lang="en-US" altLang="zh-CN" dirty="0" err="1"/>
-              <a:t>ST_MapAlgebra</a:t>
-            </a:r>
-            <a:r>
-              <a:rPr lang="en-US" altLang="zh-CN" dirty="0"/>
-              <a:t>(</a:t>
-            </a:r>
-          </a:p>
-          <a:p>
-            <a:pPr marL="0" indent="0">
-              <a:buNone/>
-            </a:pPr>
-            <a:endParaRPr lang="en-US" altLang="zh-CN" dirty="0"/>
-          </a:p>
-          <a:p>
-            <a:pPr marL="0" indent="0">
-              <a:buNone/>
-            </a:pPr>
-            <a:r>
-              <a:rPr lang="en-US" altLang="zh-CN" dirty="0"/>
-              <a:t>) AS </a:t>
-            </a:r>
-            <a:r>
-              <a:rPr lang="en-US" altLang="zh-CN" dirty="0" err="1"/>
-              <a:t>rast</a:t>
-            </a:r>
-            <a:endParaRPr lang="en-US" altLang="zh-CN" dirty="0"/>
-          </a:p>
-          <a:p>
-            <a:pPr marL="0" indent="0">
-              <a:buNone/>
-            </a:pPr>
-            <a:r>
-              <a:rPr lang="en-US" altLang="zh-CN" dirty="0"/>
-              <a:t>FROM ch12.landsat;</a:t>
-            </a:r>
-            <a:endParaRPr lang="zh-CN" altLang="en-US" dirty="0"/>
-          </a:p>
-        </p:txBody>
-      </p:sp>
-      <p:sp>
-        <p:nvSpPr>
-          <p:cNvPr id="4" name="Title 1">
-            <a:extLst>
-              <a:ext uri="{FF2B5EF4-FFF2-40B4-BE49-F238E27FC236}">
-                <a16:creationId xmlns:a16="http://schemas.microsoft.com/office/drawing/2014/main" id="{C133DC48-F19A-F15D-4AB2-D9D993ED799A}"/>
-              </a:ext>
-            </a:extLst>
-          </p:cNvPr>
-          <p:cNvSpPr>
-            <a:spLocks noGrp="1"/>
-          </p:cNvSpPr>
-          <p:nvPr>
-            <p:ph type="title"/>
-          </p:nvPr>
-        </p:nvSpPr>
-        <p:spPr>
-          <a:xfrm>
-            <a:off x="581025" y="701675"/>
-            <a:ext cx="11029950" cy="605917"/>
-          </a:xfrm>
-        </p:spPr>
-        <p:txBody>
-          <a:bodyPr/>
-          <a:lstStyle/>
-          <a:p>
-            <a:r>
-              <a:rPr lang="en-US" altLang="zh-CN" dirty="0" err="1"/>
-              <a:t>Ndvi</a:t>
-            </a:r>
-            <a:r>
-              <a:rPr lang="en-US" altLang="zh-CN" dirty="0"/>
-              <a:t> calculation</a:t>
-            </a:r>
-            <a:endParaRPr lang="zh-CN" altLang="en-US" dirty="0"/>
-          </a:p>
-        </p:txBody>
-      </p:sp>
-      <p:sp>
-        <p:nvSpPr>
-          <p:cNvPr id="5" name="TextBox 4">
-            <a:extLst>
-              <a:ext uri="{FF2B5EF4-FFF2-40B4-BE49-F238E27FC236}">
-                <a16:creationId xmlns:a16="http://schemas.microsoft.com/office/drawing/2014/main" id="{B0B5AAA2-F1D5-650F-F9A9-9E3E2871842A}"/>
-              </a:ext>
-            </a:extLst>
-          </p:cNvPr>
-          <p:cNvSpPr txBox="1"/>
-          <p:nvPr/>
-        </p:nvSpPr>
-        <p:spPr>
-          <a:xfrm>
-            <a:off x="932688" y="1568815"/>
-            <a:ext cx="6382512" cy="1132618"/>
-          </a:xfrm>
-          <a:prstGeom prst="rect">
-            <a:avLst/>
-          </a:prstGeom>
-          <a:noFill/>
-        </p:spPr>
-        <p:txBody>
-          <a:bodyPr wrap="square" rtlCol="0">
-            <a:spAutoFit/>
-          </a:bodyPr>
-          <a:lstStyle/>
-          <a:p>
-            <a:pPr marL="306000" indent="-306000">
-              <a:spcBef>
-                <a:spcPct val="20000"/>
-              </a:spcBef>
-              <a:spcAft>
-                <a:spcPts val="600"/>
-              </a:spcAft>
-              <a:buClr>
-                <a:schemeClr val="accent1"/>
-              </a:buClr>
-              <a:buSzPct val="92000"/>
-              <a:buFont typeface="Wingdings 2" panose="05020102010507070707" pitchFamily="18" charset="2"/>
-              <a:buChar char=""/>
-            </a:pPr>
-            <a:r>
-              <a:rPr lang="en-US" altLang="zh-CN" dirty="0" err="1">
-                <a:solidFill>
-                  <a:schemeClr val="tx1">
-                    <a:lumMod val="75000"/>
-                    <a:lumOff val="25000"/>
-                  </a:schemeClr>
-                </a:solidFill>
-              </a:rPr>
-              <a:t>MapAlgebra</a:t>
-            </a:r>
-            <a:r>
-              <a:rPr lang="en-US" altLang="zh-CN" dirty="0">
-                <a:solidFill>
-                  <a:schemeClr val="tx1">
-                    <a:lumMod val="75000"/>
-                    <a:lumOff val="25000"/>
-                  </a:schemeClr>
-                </a:solidFill>
-              </a:rPr>
-              <a:t>: </a:t>
-            </a:r>
-            <a:r>
-              <a:rPr lang="en-US" altLang="zh-CN" dirty="0">
-                <a:solidFill>
-                  <a:schemeClr val="tx1">
-                    <a:lumMod val="75000"/>
-                    <a:lumOff val="25000"/>
-                  </a:schemeClr>
-                </a:solidFill>
-                <a:hlinkClick r:id="rId2">
-                  <a:extLst>
-                    <a:ext uri="{A12FA001-AC4F-418D-AE19-62706E023703}">
-                      <ahyp:hlinkClr xmlns:ahyp="http://schemas.microsoft.com/office/drawing/2018/hyperlinkcolor" val="tx"/>
-                    </a:ext>
-                  </a:extLst>
-                </a:hlinkClick>
-              </a:rPr>
-              <a:t>Documentation</a:t>
-            </a:r>
-            <a:endParaRPr lang="en-US" altLang="zh-CN" dirty="0">
-              <a:solidFill>
-                <a:schemeClr val="tx1">
-                  <a:lumMod val="75000"/>
-                  <a:lumOff val="25000"/>
-                </a:schemeClr>
-              </a:solidFill>
-            </a:endParaRPr>
-          </a:p>
-          <a:p>
-            <a:pPr marL="306000" indent="-306000">
-              <a:spcBef>
-                <a:spcPct val="20000"/>
-              </a:spcBef>
-              <a:spcAft>
-                <a:spcPts val="600"/>
-              </a:spcAft>
-              <a:buClr>
-                <a:schemeClr val="accent1"/>
-              </a:buClr>
-              <a:buSzPct val="92000"/>
-              <a:buFont typeface="Wingdings 2" panose="05020102010507070707" pitchFamily="18" charset="2"/>
-              <a:buChar char=""/>
-            </a:pPr>
-            <a:r>
-              <a:rPr lang="en-US" altLang="zh-CN" dirty="0">
-                <a:solidFill>
-                  <a:schemeClr val="tx1">
-                    <a:lumMod val="75000"/>
-                    <a:lumOff val="25000"/>
-                  </a:schemeClr>
-                </a:solidFill>
-              </a:rPr>
-              <a:t>Pixel type: </a:t>
-            </a:r>
-            <a:r>
-              <a:rPr lang="en-US" altLang="zh-CN" dirty="0">
-                <a:solidFill>
-                  <a:schemeClr val="tx1">
-                    <a:lumMod val="75000"/>
-                    <a:lumOff val="25000"/>
-                  </a:schemeClr>
-                </a:solidFill>
-                <a:hlinkClick r:id="rId3">
-                  <a:extLst>
-                    <a:ext uri="{A12FA001-AC4F-418D-AE19-62706E023703}">
-                      <ahyp:hlinkClr xmlns:ahyp="http://schemas.microsoft.com/office/drawing/2018/hyperlinkcolor" val="tx"/>
-                    </a:ext>
-                  </a:extLst>
-                </a:hlinkClick>
-              </a:rPr>
-              <a:t>https://postgis.net/docs/RT_ST_BandPixelType.html</a:t>
-            </a:r>
-            <a:endParaRPr lang="zh-CN" altLang="en-US" dirty="0">
-              <a:solidFill>
-                <a:schemeClr val="tx1">
-                  <a:lumMod val="75000"/>
-                  <a:lumOff val="25000"/>
-                </a:schemeClr>
-              </a:solidFill>
-            </a:endParaRPr>
-          </a:p>
-          <a:p>
-            <a:endParaRPr lang="zh-CN" altLang="en-US" dirty="0"/>
-          </a:p>
-        </p:txBody>
-      </p:sp>
-    </p:spTree>
-    <p:extLst>
-      <p:ext uri="{BB962C8B-B14F-4D97-AF65-F5344CB8AC3E}">
-        <p14:creationId xmlns:p14="http://schemas.microsoft.com/office/powerpoint/2010/main" val="4076680495"/>
-      </p:ext>
-    </p:extLst>
-  </p:cSld>
-  <p:clrMapOvr>
-    <a:masterClrMapping/>
-  </p:clrMapOvr>
-</p:sld>
-</file>
-
 <file path=ppt/slides/slide18.xml><?xml version="1.0" encoding="utf-8"?>
 <p:sld xmlns:a="http://schemas.openxmlformats.org/drawingml/2006/main" xmlns:r="http://schemas.openxmlformats.org/officeDocument/2006/relationships" xmlns:p="http://schemas.openxmlformats.org/presentationml/2006/main">
   <p:cSld>
@@ -7194,6 +7078,326 @@
       </p:grpSpPr>
       <p:sp>
         <p:nvSpPr>
+          <p:cNvPr id="3" name="Content Placeholder 2">
+            <a:extLst>
+              <a:ext uri="{FF2B5EF4-FFF2-40B4-BE49-F238E27FC236}">
+                <a16:creationId xmlns:a16="http://schemas.microsoft.com/office/drawing/2014/main" id="{8AC9DB34-C6F5-7782-7D4C-D41785CB92B7}"/>
+              </a:ext>
+            </a:extLst>
+          </p:cNvPr>
+          <p:cNvSpPr>
+            <a:spLocks noGrp="1"/>
+          </p:cNvSpPr>
+          <p:nvPr>
+            <p:ph idx="1"/>
+          </p:nvPr>
+        </p:nvSpPr>
+        <p:spPr>
+          <a:xfrm>
+            <a:off x="3552993" y="2606040"/>
+            <a:ext cx="5837896" cy="3634486"/>
+          </a:xfrm>
+        </p:spPr>
+        <p:txBody>
+          <a:bodyPr>
+            <a:normAutofit/>
+          </a:bodyPr>
+          <a:lstStyle/>
+          <a:p>
+            <a:pPr marL="0" indent="0">
+              <a:buNone/>
+            </a:pPr>
+            <a:r>
+              <a:rPr lang="en-US" altLang="zh-CN" dirty="0"/>
+              <a:t>CREATE TABLE ch12.ndvi_raster AS</a:t>
+            </a:r>
+          </a:p>
+          <a:p>
+            <a:pPr marL="0" indent="0">
+              <a:buNone/>
+            </a:pPr>
+            <a:r>
+              <a:rPr lang="en-US" altLang="zh-CN" dirty="0"/>
+              <a:t>SELECT </a:t>
+            </a:r>
+          </a:p>
+          <a:p>
+            <a:pPr marL="0" indent="0">
+              <a:buNone/>
+            </a:pPr>
+            <a:r>
+              <a:rPr lang="en-US" altLang="zh-CN" dirty="0"/>
+              <a:t>  rid,</a:t>
+            </a:r>
+          </a:p>
+          <a:p>
+            <a:pPr marL="0" indent="0">
+              <a:buNone/>
+            </a:pPr>
+            <a:r>
+              <a:rPr lang="en-US" altLang="zh-CN" dirty="0"/>
+              <a:t>  </a:t>
+            </a:r>
+            <a:r>
+              <a:rPr lang="en-US" altLang="zh-CN" dirty="0" err="1"/>
+              <a:t>ST_MapAlgebra</a:t>
+            </a:r>
+            <a:r>
+              <a:rPr lang="en-US" altLang="zh-CN" dirty="0"/>
+              <a:t>(</a:t>
+            </a:r>
+          </a:p>
+          <a:p>
+            <a:pPr marL="0" indent="0">
+              <a:buNone/>
+            </a:pPr>
+            <a:endParaRPr lang="en-US" altLang="zh-CN" dirty="0"/>
+          </a:p>
+          <a:p>
+            <a:pPr marL="0" indent="0">
+              <a:buNone/>
+            </a:pPr>
+            <a:r>
+              <a:rPr lang="en-US" altLang="zh-CN" dirty="0"/>
+              <a:t>) AS </a:t>
+            </a:r>
+            <a:r>
+              <a:rPr lang="en-US" altLang="zh-CN" dirty="0" err="1"/>
+              <a:t>rast</a:t>
+            </a:r>
+            <a:endParaRPr lang="en-US" altLang="zh-CN" dirty="0"/>
+          </a:p>
+          <a:p>
+            <a:pPr marL="0" indent="0">
+              <a:buNone/>
+            </a:pPr>
+            <a:r>
+              <a:rPr lang="en-US" altLang="zh-CN" dirty="0"/>
+              <a:t>FROM ch12.landsat;</a:t>
+            </a:r>
+            <a:endParaRPr lang="zh-CN" altLang="en-US" dirty="0"/>
+          </a:p>
+        </p:txBody>
+      </p:sp>
+      <p:sp>
+        <p:nvSpPr>
+          <p:cNvPr id="4" name="Title 1">
+            <a:extLst>
+              <a:ext uri="{FF2B5EF4-FFF2-40B4-BE49-F238E27FC236}">
+                <a16:creationId xmlns:a16="http://schemas.microsoft.com/office/drawing/2014/main" id="{C133DC48-F19A-F15D-4AB2-D9D993ED799A}"/>
+              </a:ext>
+            </a:extLst>
+          </p:cNvPr>
+          <p:cNvSpPr>
+            <a:spLocks noGrp="1"/>
+          </p:cNvSpPr>
+          <p:nvPr>
+            <p:ph type="title"/>
+          </p:nvPr>
+        </p:nvSpPr>
+        <p:spPr>
+          <a:xfrm>
+            <a:off x="581025" y="701675"/>
+            <a:ext cx="11029950" cy="605917"/>
+          </a:xfrm>
+        </p:spPr>
+        <p:txBody>
+          <a:bodyPr/>
+          <a:lstStyle/>
+          <a:p>
+            <a:r>
+              <a:rPr lang="en-US" altLang="zh-CN" dirty="0" err="1"/>
+              <a:t>Ndvi</a:t>
+            </a:r>
+            <a:r>
+              <a:rPr lang="en-US" altLang="zh-CN" dirty="0"/>
+              <a:t> calculation</a:t>
+            </a:r>
+            <a:endParaRPr lang="zh-CN" altLang="en-US" dirty="0"/>
+          </a:p>
+        </p:txBody>
+      </p:sp>
+      <p:sp>
+        <p:nvSpPr>
+          <p:cNvPr id="5" name="TextBox 4">
+            <a:extLst>
+              <a:ext uri="{FF2B5EF4-FFF2-40B4-BE49-F238E27FC236}">
+                <a16:creationId xmlns:a16="http://schemas.microsoft.com/office/drawing/2014/main" id="{B0B5AAA2-F1D5-650F-F9A9-9E3E2871842A}"/>
+              </a:ext>
+            </a:extLst>
+          </p:cNvPr>
+          <p:cNvSpPr txBox="1"/>
+          <p:nvPr/>
+        </p:nvSpPr>
+        <p:spPr>
+          <a:xfrm>
+            <a:off x="932688" y="1568815"/>
+            <a:ext cx="6382512" cy="1132618"/>
+          </a:xfrm>
+          <a:prstGeom prst="rect">
+            <a:avLst/>
+          </a:prstGeom>
+          <a:noFill/>
+        </p:spPr>
+        <p:txBody>
+          <a:bodyPr wrap="square" rtlCol="0">
+            <a:spAutoFit/>
+          </a:bodyPr>
+          <a:lstStyle/>
+          <a:p>
+            <a:pPr marL="306000" indent="-306000">
+              <a:spcBef>
+                <a:spcPct val="20000"/>
+              </a:spcBef>
+              <a:spcAft>
+                <a:spcPts val="600"/>
+              </a:spcAft>
+              <a:buClr>
+                <a:schemeClr val="accent1"/>
+              </a:buClr>
+              <a:buSzPct val="92000"/>
+              <a:buFont typeface="Wingdings 2" panose="05020102010507070707" pitchFamily="18" charset="2"/>
+              <a:buChar char=""/>
+            </a:pPr>
+            <a:r>
+              <a:rPr lang="en-US" altLang="zh-CN" dirty="0" err="1">
+                <a:solidFill>
+                  <a:schemeClr val="tx1">
+                    <a:lumMod val="75000"/>
+                    <a:lumOff val="25000"/>
+                  </a:schemeClr>
+                </a:solidFill>
+              </a:rPr>
+              <a:t>MapAlgebra</a:t>
+            </a:r>
+            <a:r>
+              <a:rPr lang="en-US" altLang="zh-CN" dirty="0">
+                <a:solidFill>
+                  <a:schemeClr val="tx1">
+                    <a:lumMod val="75000"/>
+                    <a:lumOff val="25000"/>
+                  </a:schemeClr>
+                </a:solidFill>
+              </a:rPr>
+              <a:t>: </a:t>
+            </a:r>
+            <a:r>
+              <a:rPr lang="en-US" altLang="zh-CN" dirty="0">
+                <a:solidFill>
+                  <a:schemeClr val="tx1">
+                    <a:lumMod val="75000"/>
+                    <a:lumOff val="25000"/>
+                  </a:schemeClr>
+                </a:solidFill>
+                <a:hlinkClick r:id="rId2">
+                  <a:extLst>
+                    <a:ext uri="{A12FA001-AC4F-418D-AE19-62706E023703}">
+                      <ahyp:hlinkClr xmlns:ahyp="http://schemas.microsoft.com/office/drawing/2018/hyperlinkcolor" val="tx"/>
+                    </a:ext>
+                  </a:extLst>
+                </a:hlinkClick>
+              </a:rPr>
+              <a:t>Documentation</a:t>
+            </a:r>
+            <a:endParaRPr lang="en-US" altLang="zh-CN" dirty="0">
+              <a:solidFill>
+                <a:schemeClr val="tx1">
+                  <a:lumMod val="75000"/>
+                  <a:lumOff val="25000"/>
+                </a:schemeClr>
+              </a:solidFill>
+            </a:endParaRPr>
+          </a:p>
+          <a:p>
+            <a:pPr marL="306000" indent="-306000">
+              <a:spcBef>
+                <a:spcPct val="20000"/>
+              </a:spcBef>
+              <a:spcAft>
+                <a:spcPts val="600"/>
+              </a:spcAft>
+              <a:buClr>
+                <a:schemeClr val="accent1"/>
+              </a:buClr>
+              <a:buSzPct val="92000"/>
+              <a:buFont typeface="Wingdings 2" panose="05020102010507070707" pitchFamily="18" charset="2"/>
+              <a:buChar char=""/>
+            </a:pPr>
+            <a:r>
+              <a:rPr lang="en-US" altLang="zh-CN" dirty="0">
+                <a:solidFill>
+                  <a:schemeClr val="tx1">
+                    <a:lumMod val="75000"/>
+                    <a:lumOff val="25000"/>
+                  </a:schemeClr>
+                </a:solidFill>
+              </a:rPr>
+              <a:t>Pixel type: </a:t>
+            </a:r>
+            <a:r>
+              <a:rPr lang="en-US" altLang="zh-CN" dirty="0">
+                <a:solidFill>
+                  <a:schemeClr val="tx1">
+                    <a:lumMod val="75000"/>
+                    <a:lumOff val="25000"/>
+                  </a:schemeClr>
+                </a:solidFill>
+                <a:hlinkClick r:id="rId3">
+                  <a:extLst>
+                    <a:ext uri="{A12FA001-AC4F-418D-AE19-62706E023703}">
+                      <ahyp:hlinkClr xmlns:ahyp="http://schemas.microsoft.com/office/drawing/2018/hyperlinkcolor" val="tx"/>
+                    </a:ext>
+                  </a:extLst>
+                </a:hlinkClick>
+              </a:rPr>
+              <a:t>https://postgis.net/docs/RT_ST_BandPixelType.html</a:t>
+            </a:r>
+            <a:endParaRPr lang="zh-CN" altLang="en-US" dirty="0">
+              <a:solidFill>
+                <a:schemeClr val="tx1">
+                  <a:lumMod val="75000"/>
+                  <a:lumOff val="25000"/>
+                </a:schemeClr>
+              </a:solidFill>
+            </a:endParaRPr>
+          </a:p>
+          <a:p>
+            <a:endParaRPr lang="zh-CN" altLang="en-US" dirty="0"/>
+          </a:p>
+        </p:txBody>
+      </p:sp>
+    </p:spTree>
+    <p:extLst>
+      <p:ext uri="{BB962C8B-B14F-4D97-AF65-F5344CB8AC3E}">
+        <p14:creationId xmlns:p14="http://schemas.microsoft.com/office/powerpoint/2010/main" val="4076680495"/>
+      </p:ext>
+    </p:extLst>
+  </p:cSld>
+  <p:clrMapOvr>
+    <a:masterClrMapping/>
+  </p:clrMapOvr>
+</p:sld>
+</file>
+
+<file path=ppt/slides/slide19.xml><?xml version="1.0" encoding="utf-8"?>
+<p:sld xmlns:a="http://schemas.openxmlformats.org/drawingml/2006/main" xmlns:r="http://schemas.openxmlformats.org/officeDocument/2006/relationships" xmlns:p="http://schemas.openxmlformats.org/presentationml/2006/main">
+  <p:cSld>
+    <p:spTree>
+      <p:nvGrpSpPr>
+        <p:cNvPr id="1" name=""/>
+        <p:cNvGrpSpPr/>
+        <p:nvPr/>
+      </p:nvGrpSpPr>
+      <p:grpSpPr>
+        <a:xfrm>
+          <a:off x="0" y="0"/>
+          <a:ext cx="0" cy="0"/>
+          <a:chOff x="0" y="0"/>
+          <a:chExt cx="0" cy="0"/>
+        </a:xfrm>
+      </p:grpSpPr>
+      <p:sp>
+        <p:nvSpPr>
           <p:cNvPr id="2" name="Title 1">
             <a:extLst>
               <a:ext uri="{FF2B5EF4-FFF2-40B4-BE49-F238E27FC236}">
@@ -7226,8 +7430,8 @@
           </a:p>
         </p:txBody>
       </p:sp>
-      <mc:AlternateContent xmlns:mc="http://schemas.openxmlformats.org/markup-compatibility/2006">
-        <mc:Choice xmlns:a14="http://schemas.microsoft.com/office/drawing/2010/main" Requires="a14">
+      <mc:AlternateContent xmlns:mc="http://schemas.openxmlformats.org/markup-compatibility/2006" xmlns:a14="http://schemas.microsoft.com/office/drawing/2010/main">
+        <mc:Choice Requires="a14">
           <p:sp>
             <p:nvSpPr>
               <p:cNvPr id="3" name="Content Placeholder 2">
@@ -7276,13 +7480,7 @@
                       <a:rPr lang="en-US" altLang="zh-CN" b="0" i="1" smtClean="0">
                         <a:latin typeface="Cambria Math" panose="02040503050406030204" pitchFamily="18" charset="0"/>
                       </a:rPr>
-                      <m:t>1</m:t>
-                    </m:r>
-                    <m:r>
-                      <a:rPr lang="en-US" altLang="zh-CN" b="0" i="1" smtClean="0">
-                        <a:latin typeface="Cambria Math" panose="02040503050406030204" pitchFamily="18" charset="0"/>
-                      </a:rPr>
-                      <m:t>=</m:t>
+                      <m:t>1=</m:t>
                     </m:r>
                     <m:f>
                       <m:fPr>
@@ -7312,13 +7510,7 @@
                               <a:rPr lang="en-US" altLang="zh-CN" b="0" i="1" smtClean="0">
                                 <a:latin typeface="Cambria Math" panose="02040503050406030204" pitchFamily="18" charset="0"/>
                               </a:rPr>
-                              <m:t>1</m:t>
-                            </m:r>
-                            <m:r>
-                              <a:rPr lang="en-US" altLang="zh-CN" b="0" i="1" smtClean="0">
-                                <a:latin typeface="Cambria Math" panose="02040503050406030204" pitchFamily="18" charset="0"/>
-                              </a:rPr>
-                              <m:t>+</m:t>
+                              <m:t>1+</m:t>
                             </m:r>
                             <m:r>
                               <a:rPr lang="en-US" altLang="zh-CN" b="0" i="1" smtClean="0">
@@ -7384,13 +7576,7 @@
                               <a:rPr lang="en-US" altLang="zh-CN" i="1">
                                 <a:latin typeface="Cambria Math" panose="02040503050406030204" pitchFamily="18" charset="0"/>
                               </a:rPr>
-                              <m:t>1</m:t>
-                            </m:r>
-                            <m:r>
-                              <a:rPr lang="en-US" altLang="zh-CN" i="1">
-                                <a:latin typeface="Cambria Math" panose="02040503050406030204" pitchFamily="18" charset="0"/>
-                              </a:rPr>
-                              <m:t>+</m:t>
+                              <m:t>1+</m:t>
                             </m:r>
                             <m:r>
                               <a:rPr lang="en-US" altLang="zh-CN" i="1">
@@ -7465,7 +7651,7 @@
             </p:txBody>
           </p:sp>
         </mc:Choice>
-        <mc:Fallback>
+        <mc:Fallback xmlns="">
           <p:sp>
             <p:nvSpPr>
               <p:cNvPr id="3" name="Content Placeholder 2">
@@ -8562,7 +8748,7 @@
         </p:nvSpPr>
         <p:spPr>
           <a:xfrm>
-            <a:off x="581193" y="1481328"/>
+            <a:off x="581192" y="1321670"/>
             <a:ext cx="11029615" cy="5074920"/>
           </a:xfrm>
         </p:spPr>
@@ -9616,183 +9802,10 @@
           <a:chExt cx="0" cy="0"/>
         </a:xfrm>
       </p:grpSpPr>
-      <p:sp>
-        <p:nvSpPr>
-          <p:cNvPr id="3" name="Content Placeholder 2">
-            <a:extLst>
-              <a:ext uri="{FF2B5EF4-FFF2-40B4-BE49-F238E27FC236}">
-                <a16:creationId xmlns:a16="http://schemas.microsoft.com/office/drawing/2014/main" id="{2839075C-E56F-0260-909C-CDD5088A37C5}"/>
-              </a:ext>
-            </a:extLst>
-          </p:cNvPr>
-          <p:cNvSpPr>
-            <a:spLocks noGrp="1"/>
-          </p:cNvSpPr>
-          <p:nvPr>
-            <p:ph idx="1"/>
-          </p:nvPr>
-        </p:nvSpPr>
-        <p:spPr>
-          <a:xfrm>
-            <a:off x="2986255" y="1836293"/>
-            <a:ext cx="6219490" cy="2185289"/>
-          </a:xfrm>
-        </p:spPr>
-        <p:txBody>
-          <a:bodyPr>
-            <a:normAutofit/>
-          </a:bodyPr>
-          <a:lstStyle/>
-          <a:p>
-            <a:r>
-              <a:rPr lang="en-US" altLang="zh-CN" dirty="0">
-                <a:solidFill>
-                  <a:schemeClr val="tx1">
-                    <a:lumMod val="75000"/>
-                    <a:lumOff val="25000"/>
-                  </a:schemeClr>
-                </a:solidFill>
-              </a:rPr>
-              <a:t>Check pixel resolution, x and y of the starting point</a:t>
-            </a:r>
-          </a:p>
-          <a:p>
-            <a:pPr marL="0" indent="0">
-              <a:buNone/>
-            </a:pPr>
-            <a:r>
-              <a:rPr lang="en-US" altLang="zh-CN" dirty="0">
-                <a:solidFill>
-                  <a:srgbClr val="00B0F0"/>
-                </a:solidFill>
-              </a:rPr>
-              <a:t> </a:t>
-            </a:r>
-            <a:r>
-              <a:rPr lang="en-US" altLang="zh-CN" dirty="0" err="1">
-                <a:solidFill>
-                  <a:srgbClr val="00B0F0"/>
-                </a:solidFill>
-              </a:rPr>
-              <a:t>ST_ScaleX</a:t>
-            </a:r>
-            <a:r>
-              <a:rPr lang="en-US" altLang="zh-CN" dirty="0">
-                <a:solidFill>
-                  <a:srgbClr val="00B0F0"/>
-                </a:solidFill>
-              </a:rPr>
-              <a:t>()</a:t>
-            </a:r>
-          </a:p>
-          <a:p>
-            <a:pPr marL="0" indent="0">
-              <a:buNone/>
-            </a:pPr>
-            <a:r>
-              <a:rPr lang="en-US" altLang="zh-CN" dirty="0" err="1">
-                <a:solidFill>
-                  <a:srgbClr val="00B0F0"/>
-                </a:solidFill>
-              </a:rPr>
-              <a:t>ST_ScaleY</a:t>
-            </a:r>
-            <a:r>
-              <a:rPr lang="en-US" altLang="zh-CN" dirty="0">
-                <a:solidFill>
-                  <a:srgbClr val="00B0F0"/>
-                </a:solidFill>
-              </a:rPr>
-              <a:t>()</a:t>
-            </a:r>
-          </a:p>
-          <a:p>
-            <a:pPr marL="0" indent="0">
-              <a:buNone/>
-            </a:pPr>
-            <a:r>
-              <a:rPr lang="en-US" altLang="zh-CN" dirty="0" err="1">
-                <a:solidFill>
-                  <a:srgbClr val="00B0F0"/>
-                </a:solidFill>
-              </a:rPr>
-              <a:t>ST_UpperLeftX</a:t>
-            </a:r>
-            <a:r>
-              <a:rPr lang="en-US" altLang="zh-CN" dirty="0">
-                <a:solidFill>
-                  <a:srgbClr val="00B0F0"/>
-                </a:solidFill>
-              </a:rPr>
-              <a:t>()</a:t>
-            </a:r>
-          </a:p>
-          <a:p>
-            <a:pPr marL="0" indent="0">
-              <a:buNone/>
-            </a:pPr>
-            <a:r>
-              <a:rPr lang="en-US" altLang="zh-CN" dirty="0" err="1">
-                <a:solidFill>
-                  <a:srgbClr val="00B0F0"/>
-                </a:solidFill>
-              </a:rPr>
-              <a:t>ST_UpperLeftY</a:t>
-            </a:r>
-            <a:r>
-              <a:rPr lang="en-US" altLang="zh-CN" dirty="0">
-                <a:solidFill>
-                  <a:srgbClr val="00B0F0"/>
-                </a:solidFill>
-              </a:rPr>
-              <a:t>()</a:t>
-            </a:r>
-            <a:endParaRPr lang="zh-CN" altLang="en-US" dirty="0">
-              <a:solidFill>
-                <a:srgbClr val="00B0F0"/>
-              </a:solidFill>
-            </a:endParaRPr>
-          </a:p>
-        </p:txBody>
-      </p:sp>
-      <p:sp>
-        <p:nvSpPr>
-          <p:cNvPr id="4" name="Title 1">
-            <a:extLst>
-              <a:ext uri="{FF2B5EF4-FFF2-40B4-BE49-F238E27FC236}">
-                <a16:creationId xmlns:a16="http://schemas.microsoft.com/office/drawing/2014/main" id="{4BA20FEF-4C5A-C326-43D3-C762305459EA}"/>
-              </a:ext>
-            </a:extLst>
-          </p:cNvPr>
-          <p:cNvSpPr>
-            <a:spLocks noGrp="1"/>
-          </p:cNvSpPr>
-          <p:nvPr>
-            <p:ph type="title"/>
-          </p:nvPr>
-        </p:nvSpPr>
-        <p:spPr>
-          <a:xfrm>
-            <a:off x="581025" y="701675"/>
-            <a:ext cx="11029950" cy="587629"/>
-          </a:xfrm>
-        </p:spPr>
-        <p:txBody>
-          <a:bodyPr/>
-          <a:lstStyle/>
-          <a:p>
-            <a:r>
-              <a:rPr lang="en-US" altLang="zh-CN" dirty="0"/>
-              <a:t>Exercise 01: Check metadata of the raster table</a:t>
-            </a:r>
-            <a:endParaRPr lang="zh-CN" altLang="en-US" dirty="0"/>
-          </a:p>
-        </p:txBody>
-      </p:sp>
     </p:spTree>
     <p:extLst>
       <p:ext uri="{BB962C8B-B14F-4D97-AF65-F5344CB8AC3E}">
-        <p14:creationId xmlns:p14="http://schemas.microsoft.com/office/powerpoint/2010/main" val="1588503678"/>
+        <p14:creationId xmlns:p14="http://schemas.microsoft.com/office/powerpoint/2010/main" val="1229388449"/>
       </p:ext>
     </p:extLst>
   </p:cSld>

--- a/docs/Lectures/Week12/Week12_Raster.pptx
+++ b/docs/Lectures/Week12/Week12_Raster.pptx
@@ -5,10 +5,10 @@
     <p:sldMasterId id="2147483685" r:id="rId1"/>
   </p:sldMasterIdLst>
   <p:notesMasterIdLst>
-    <p:notesMasterId r:id="rId21"/>
+    <p:notesMasterId r:id="rId18"/>
   </p:notesMasterIdLst>
   <p:handoutMasterIdLst>
-    <p:handoutMasterId r:id="rId22"/>
+    <p:handoutMasterId r:id="rId19"/>
   </p:handoutMasterIdLst>
   <p:sldIdLst>
     <p:sldId id="256" r:id="rId2"/>
@@ -27,9 +27,6 @@
     <p:sldId id="362" r:id="rId15"/>
     <p:sldId id="363" r:id="rId16"/>
     <p:sldId id="364" r:id="rId17"/>
-    <p:sldId id="367" r:id="rId18"/>
-    <p:sldId id="368" r:id="rId19"/>
-    <p:sldId id="371" r:id="rId20"/>
   </p:sldIdLst>
   <p:sldSz cx="12192000" cy="6858000"/>
   <p:notesSz cx="6858000" cy="9144000"/>
@@ -6801,937 +6798,6 @@
     <p:extLst>
       <p:ext uri="{BB962C8B-B14F-4D97-AF65-F5344CB8AC3E}">
         <p14:creationId xmlns:p14="http://schemas.microsoft.com/office/powerpoint/2010/main" val="3683202325"/>
-      </p:ext>
-    </p:extLst>
-  </p:cSld>
-  <p:clrMapOvr>
-    <a:masterClrMapping/>
-  </p:clrMapOvr>
-</p:sld>
-</file>
-
-<file path=ppt/slides/slide17.xml><?xml version="1.0" encoding="utf-8"?>
-<p:sld xmlns:a="http://schemas.openxmlformats.org/drawingml/2006/main" xmlns:r="http://schemas.openxmlformats.org/officeDocument/2006/relationships" xmlns:p="http://schemas.openxmlformats.org/presentationml/2006/main">
-  <p:cSld>
-    <p:spTree>
-      <p:nvGrpSpPr>
-        <p:cNvPr id="1" name=""/>
-        <p:cNvGrpSpPr/>
-        <p:nvPr/>
-      </p:nvGrpSpPr>
-      <p:grpSpPr>
-        <a:xfrm>
-          <a:off x="0" y="0"/>
-          <a:ext cx="0" cy="0"/>
-          <a:chOff x="0" y="0"/>
-          <a:chExt cx="0" cy="0"/>
-        </a:xfrm>
-      </p:grpSpPr>
-      <p:sp>
-        <p:nvSpPr>
-          <p:cNvPr id="2" name="Title 1">
-            <a:extLst>
-              <a:ext uri="{FF2B5EF4-FFF2-40B4-BE49-F238E27FC236}">
-                <a16:creationId xmlns:a16="http://schemas.microsoft.com/office/drawing/2014/main" id="{98C6BA12-A40E-CA2B-75A8-CF3CA6E8DCCC}"/>
-              </a:ext>
-            </a:extLst>
-          </p:cNvPr>
-          <p:cNvSpPr>
-            <a:spLocks noGrp="1"/>
-          </p:cNvSpPr>
-          <p:nvPr>
-            <p:ph type="title"/>
-          </p:nvPr>
-        </p:nvSpPr>
-        <p:spPr>
-          <a:xfrm>
-            <a:off x="581192" y="702156"/>
-            <a:ext cx="11029616" cy="687732"/>
-          </a:xfrm>
-        </p:spPr>
-        <p:txBody>
-          <a:bodyPr/>
-          <a:lstStyle/>
-          <a:p>
-            <a:r>
-              <a:rPr lang="en-US" altLang="zh-CN" dirty="0" err="1"/>
-              <a:t>Ndvi</a:t>
-            </a:r>
-            <a:r>
-              <a:rPr lang="en-US" altLang="zh-CN" dirty="0"/>
-              <a:t> calculation</a:t>
-            </a:r>
-            <a:endParaRPr lang="zh-CN" altLang="en-US" dirty="0"/>
-          </a:p>
-        </p:txBody>
-      </p:sp>
-      <mc:AlternateContent xmlns:mc="http://schemas.openxmlformats.org/markup-compatibility/2006" xmlns:a14="http://schemas.microsoft.com/office/drawing/2010/main">
-        <mc:Choice Requires="a14">
-          <p:sp>
-            <p:nvSpPr>
-              <p:cNvPr id="3" name="Content Placeholder 2">
-                <a:extLst>
-                  <a:ext uri="{FF2B5EF4-FFF2-40B4-BE49-F238E27FC236}">
-                    <a16:creationId xmlns:a16="http://schemas.microsoft.com/office/drawing/2014/main" id="{7C50F008-0EFE-2168-D1F2-D25D51FD55C8}"/>
-                  </a:ext>
-                </a:extLst>
-              </p:cNvPr>
-              <p:cNvSpPr>
-                <a:spLocks noGrp="1"/>
-              </p:cNvSpPr>
-              <p:nvPr>
-                <p:ph idx="1"/>
-              </p:nvPr>
-            </p:nvSpPr>
-            <p:spPr>
-              <a:xfrm>
-                <a:off x="581193" y="1517904"/>
-                <a:ext cx="11029615" cy="2331720"/>
-              </a:xfrm>
-            </p:spPr>
-            <p:txBody>
-              <a:bodyPr/>
-              <a:lstStyle/>
-              <a:p>
-                <a:r>
-                  <a:rPr lang="en-US" altLang="zh-CN" dirty="0"/>
-                  <a:t>NDVI is a widely used vegetation index calculated using the Near Infrared (NIR) and Red bands from satellite imagery. It’s defined as:</a:t>
-                </a:r>
-              </a:p>
-              <a:p>
-                <a14:m>
-                  <m:oMath xmlns:m="http://schemas.openxmlformats.org/officeDocument/2006/math">
-                    <m:r>
-                      <a:rPr lang="en-US" altLang="zh-CN" b="0" i="1" smtClean="0">
-                        <a:latin typeface="Cambria Math" panose="02040503050406030204" pitchFamily="18" charset="0"/>
-                      </a:rPr>
-                      <m:t>𝑁𝐷𝑉𝐼</m:t>
-                    </m:r>
-                    <m:r>
-                      <a:rPr lang="en-US" altLang="zh-CN" b="0" i="1" smtClean="0">
-                        <a:latin typeface="Cambria Math" panose="02040503050406030204" pitchFamily="18" charset="0"/>
-                      </a:rPr>
-                      <m:t>=</m:t>
-                    </m:r>
-                    <m:f>
-                      <m:fPr>
-                        <m:ctrlPr>
-                          <a:rPr lang="en-US" altLang="zh-CN" b="0" i="1" smtClean="0">
-                            <a:latin typeface="Cambria Math" panose="02040503050406030204" pitchFamily="18" charset="0"/>
-                          </a:rPr>
-                        </m:ctrlPr>
-                      </m:fPr>
-                      <m:num>
-                        <m:r>
-                          <a:rPr lang="en-US" altLang="zh-CN" b="0" i="1" smtClean="0">
-                            <a:latin typeface="Cambria Math" panose="02040503050406030204" pitchFamily="18" charset="0"/>
-                          </a:rPr>
-                          <m:t>𝑁𝐼𝑅</m:t>
-                        </m:r>
-                        <m:r>
-                          <a:rPr lang="en-US" altLang="zh-CN" b="0" i="1" smtClean="0">
-                            <a:latin typeface="Cambria Math" panose="02040503050406030204" pitchFamily="18" charset="0"/>
-                          </a:rPr>
-                          <m:t> −</m:t>
-                        </m:r>
-                        <m:r>
-                          <a:rPr lang="en-US" altLang="zh-CN" b="0" i="1" smtClean="0">
-                            <a:latin typeface="Cambria Math" panose="02040503050406030204" pitchFamily="18" charset="0"/>
-                          </a:rPr>
-                          <m:t>𝑅𝐸𝐷</m:t>
-                        </m:r>
-                      </m:num>
-                      <m:den>
-                        <m:r>
-                          <a:rPr lang="en-US" altLang="zh-CN" b="0" i="1" smtClean="0">
-                            <a:latin typeface="Cambria Math" panose="02040503050406030204" pitchFamily="18" charset="0"/>
-                          </a:rPr>
-                          <m:t>𝑁𝐼𝑅</m:t>
-                        </m:r>
-                        <m:r>
-                          <a:rPr lang="en-US" altLang="zh-CN" b="0" i="1" smtClean="0">
-                            <a:latin typeface="Cambria Math" panose="02040503050406030204" pitchFamily="18" charset="0"/>
-                          </a:rPr>
-                          <m:t>+</m:t>
-                        </m:r>
-                        <m:r>
-                          <a:rPr lang="en-US" altLang="zh-CN" b="0" i="1" smtClean="0">
-                            <a:latin typeface="Cambria Math" panose="02040503050406030204" pitchFamily="18" charset="0"/>
-                          </a:rPr>
-                          <m:t>𝑅𝐸𝐷</m:t>
-                        </m:r>
-                      </m:den>
-                    </m:f>
-                  </m:oMath>
-                </a14:m>
-                <a:endParaRPr lang="en-US" altLang="zh-CN" dirty="0"/>
-              </a:p>
-              <a:p>
-                <a:r>
-                  <a:rPr lang="en-US" altLang="zh-CN" dirty="0"/>
-                  <a:t>It gives values between </a:t>
-                </a:r>
-                <a:r>
-                  <a:rPr lang="en-US" altLang="zh-CN" b="1" dirty="0"/>
-                  <a:t>-1</a:t>
-                </a:r>
-                <a:r>
-                  <a:rPr lang="en-US" altLang="zh-CN" dirty="0"/>
-                  <a:t> and </a:t>
-                </a:r>
-                <a:r>
-                  <a:rPr lang="en-US" altLang="zh-CN" b="1" dirty="0"/>
-                  <a:t>+1</a:t>
-                </a:r>
-                <a:r>
-                  <a:rPr lang="en-US" altLang="zh-CN" dirty="0"/>
-                  <a:t>, where higher values indicate </a:t>
-                </a:r>
-                <a:r>
-                  <a:rPr lang="en-US" altLang="zh-CN" b="1" dirty="0"/>
-                  <a:t>healthy vegetation</a:t>
-                </a:r>
-                <a:r>
-                  <a:rPr lang="en-US" altLang="zh-CN" dirty="0"/>
-                  <a:t>.</a:t>
-                </a:r>
-              </a:p>
-              <a:p>
-                <a:endParaRPr lang="zh-CN" altLang="en-US" dirty="0"/>
-              </a:p>
-            </p:txBody>
-          </p:sp>
-        </mc:Choice>
-        <mc:Fallback xmlns="">
-          <p:sp>
-            <p:nvSpPr>
-              <p:cNvPr id="3" name="Content Placeholder 2">
-                <a:extLst>
-                  <a:ext uri="{FF2B5EF4-FFF2-40B4-BE49-F238E27FC236}">
-                    <a16:creationId xmlns:a16="http://schemas.microsoft.com/office/drawing/2014/main" id="{7C50F008-0EFE-2168-D1F2-D25D51FD55C8}"/>
-                  </a:ext>
-                </a:extLst>
-              </p:cNvPr>
-              <p:cNvSpPr>
-                <a:spLocks noGrp="1" noRot="1" noChangeAspect="1" noMove="1" noResize="1" noEditPoints="1" noAdjustHandles="1" noChangeArrowheads="1" noChangeShapeType="1" noTextEdit="1"/>
-              </p:cNvSpPr>
-              <p:nvPr>
-                <p:ph idx="1"/>
-              </p:nvPr>
-            </p:nvSpPr>
-            <p:spPr>
-              <a:xfrm>
-                <a:off x="581193" y="1517904"/>
-                <a:ext cx="11029615" cy="2331720"/>
-              </a:xfrm>
-              <a:blipFill>
-                <a:blip r:embed="rId2"/>
-                <a:stretch>
-                  <a:fillRect l="-221"/>
-                </a:stretch>
-              </a:blipFill>
-            </p:spPr>
-            <p:txBody>
-              <a:bodyPr/>
-              <a:lstStyle/>
-              <a:p>
-                <a:r>
-                  <a:rPr lang="zh-CN" altLang="en-US">
-                    <a:noFill/>
-                  </a:rPr>
-                  <a:t> </a:t>
-                </a:r>
-              </a:p>
-            </p:txBody>
-          </p:sp>
-        </mc:Fallback>
-      </mc:AlternateContent>
-    </p:spTree>
-    <p:extLst>
-      <p:ext uri="{BB962C8B-B14F-4D97-AF65-F5344CB8AC3E}">
-        <p14:creationId xmlns:p14="http://schemas.microsoft.com/office/powerpoint/2010/main" val="3438563021"/>
-      </p:ext>
-    </p:extLst>
-  </p:cSld>
-  <p:clrMapOvr>
-    <a:masterClrMapping/>
-  </p:clrMapOvr>
-</p:sld>
-</file>
-
-<file path=ppt/slides/slide18.xml><?xml version="1.0" encoding="utf-8"?>
-<p:sld xmlns:a="http://schemas.openxmlformats.org/drawingml/2006/main" xmlns:r="http://schemas.openxmlformats.org/officeDocument/2006/relationships" xmlns:p="http://schemas.openxmlformats.org/presentationml/2006/main">
-  <p:cSld>
-    <p:spTree>
-      <p:nvGrpSpPr>
-        <p:cNvPr id="1" name=""/>
-        <p:cNvGrpSpPr/>
-        <p:nvPr/>
-      </p:nvGrpSpPr>
-      <p:grpSpPr>
-        <a:xfrm>
-          <a:off x="0" y="0"/>
-          <a:ext cx="0" cy="0"/>
-          <a:chOff x="0" y="0"/>
-          <a:chExt cx="0" cy="0"/>
-        </a:xfrm>
-      </p:grpSpPr>
-      <p:sp>
-        <p:nvSpPr>
-          <p:cNvPr id="3" name="Content Placeholder 2">
-            <a:extLst>
-              <a:ext uri="{FF2B5EF4-FFF2-40B4-BE49-F238E27FC236}">
-                <a16:creationId xmlns:a16="http://schemas.microsoft.com/office/drawing/2014/main" id="{8AC9DB34-C6F5-7782-7D4C-D41785CB92B7}"/>
-              </a:ext>
-            </a:extLst>
-          </p:cNvPr>
-          <p:cNvSpPr>
-            <a:spLocks noGrp="1"/>
-          </p:cNvSpPr>
-          <p:nvPr>
-            <p:ph idx="1"/>
-          </p:nvPr>
-        </p:nvSpPr>
-        <p:spPr>
-          <a:xfrm>
-            <a:off x="3552993" y="2606040"/>
-            <a:ext cx="5837896" cy="3634486"/>
-          </a:xfrm>
-        </p:spPr>
-        <p:txBody>
-          <a:bodyPr>
-            <a:normAutofit/>
-          </a:bodyPr>
-          <a:lstStyle/>
-          <a:p>
-            <a:pPr marL="0" indent="0">
-              <a:buNone/>
-            </a:pPr>
-            <a:r>
-              <a:rPr lang="en-US" altLang="zh-CN" dirty="0"/>
-              <a:t>CREATE TABLE ch12.ndvi_raster AS</a:t>
-            </a:r>
-          </a:p>
-          <a:p>
-            <a:pPr marL="0" indent="0">
-              <a:buNone/>
-            </a:pPr>
-            <a:r>
-              <a:rPr lang="en-US" altLang="zh-CN" dirty="0"/>
-              <a:t>SELECT </a:t>
-            </a:r>
-          </a:p>
-          <a:p>
-            <a:pPr marL="0" indent="0">
-              <a:buNone/>
-            </a:pPr>
-            <a:r>
-              <a:rPr lang="en-US" altLang="zh-CN" dirty="0"/>
-              <a:t>  rid,</a:t>
-            </a:r>
-          </a:p>
-          <a:p>
-            <a:pPr marL="0" indent="0">
-              <a:buNone/>
-            </a:pPr>
-            <a:r>
-              <a:rPr lang="en-US" altLang="zh-CN" dirty="0"/>
-              <a:t>  </a:t>
-            </a:r>
-            <a:r>
-              <a:rPr lang="en-US" altLang="zh-CN" dirty="0" err="1"/>
-              <a:t>ST_MapAlgebra</a:t>
-            </a:r>
-            <a:r>
-              <a:rPr lang="en-US" altLang="zh-CN" dirty="0"/>
-              <a:t>(</a:t>
-            </a:r>
-          </a:p>
-          <a:p>
-            <a:pPr marL="0" indent="0">
-              <a:buNone/>
-            </a:pPr>
-            <a:endParaRPr lang="en-US" altLang="zh-CN" dirty="0"/>
-          </a:p>
-          <a:p>
-            <a:pPr marL="0" indent="0">
-              <a:buNone/>
-            </a:pPr>
-            <a:r>
-              <a:rPr lang="en-US" altLang="zh-CN" dirty="0"/>
-              <a:t>) AS </a:t>
-            </a:r>
-            <a:r>
-              <a:rPr lang="en-US" altLang="zh-CN" dirty="0" err="1"/>
-              <a:t>rast</a:t>
-            </a:r>
-            <a:endParaRPr lang="en-US" altLang="zh-CN" dirty="0"/>
-          </a:p>
-          <a:p>
-            <a:pPr marL="0" indent="0">
-              <a:buNone/>
-            </a:pPr>
-            <a:r>
-              <a:rPr lang="en-US" altLang="zh-CN" dirty="0"/>
-              <a:t>FROM ch12.landsat;</a:t>
-            </a:r>
-            <a:endParaRPr lang="zh-CN" altLang="en-US" dirty="0"/>
-          </a:p>
-        </p:txBody>
-      </p:sp>
-      <p:sp>
-        <p:nvSpPr>
-          <p:cNvPr id="4" name="Title 1">
-            <a:extLst>
-              <a:ext uri="{FF2B5EF4-FFF2-40B4-BE49-F238E27FC236}">
-                <a16:creationId xmlns:a16="http://schemas.microsoft.com/office/drawing/2014/main" id="{C133DC48-F19A-F15D-4AB2-D9D993ED799A}"/>
-              </a:ext>
-            </a:extLst>
-          </p:cNvPr>
-          <p:cNvSpPr>
-            <a:spLocks noGrp="1"/>
-          </p:cNvSpPr>
-          <p:nvPr>
-            <p:ph type="title"/>
-          </p:nvPr>
-        </p:nvSpPr>
-        <p:spPr>
-          <a:xfrm>
-            <a:off x="581025" y="701675"/>
-            <a:ext cx="11029950" cy="605917"/>
-          </a:xfrm>
-        </p:spPr>
-        <p:txBody>
-          <a:bodyPr/>
-          <a:lstStyle/>
-          <a:p>
-            <a:r>
-              <a:rPr lang="en-US" altLang="zh-CN" dirty="0" err="1"/>
-              <a:t>Ndvi</a:t>
-            </a:r>
-            <a:r>
-              <a:rPr lang="en-US" altLang="zh-CN" dirty="0"/>
-              <a:t> calculation</a:t>
-            </a:r>
-            <a:endParaRPr lang="zh-CN" altLang="en-US" dirty="0"/>
-          </a:p>
-        </p:txBody>
-      </p:sp>
-      <p:sp>
-        <p:nvSpPr>
-          <p:cNvPr id="5" name="TextBox 4">
-            <a:extLst>
-              <a:ext uri="{FF2B5EF4-FFF2-40B4-BE49-F238E27FC236}">
-                <a16:creationId xmlns:a16="http://schemas.microsoft.com/office/drawing/2014/main" id="{B0B5AAA2-F1D5-650F-F9A9-9E3E2871842A}"/>
-              </a:ext>
-            </a:extLst>
-          </p:cNvPr>
-          <p:cNvSpPr txBox="1"/>
-          <p:nvPr/>
-        </p:nvSpPr>
-        <p:spPr>
-          <a:xfrm>
-            <a:off x="932688" y="1568815"/>
-            <a:ext cx="6382512" cy="1132618"/>
-          </a:xfrm>
-          <a:prstGeom prst="rect">
-            <a:avLst/>
-          </a:prstGeom>
-          <a:noFill/>
-        </p:spPr>
-        <p:txBody>
-          <a:bodyPr wrap="square" rtlCol="0">
-            <a:spAutoFit/>
-          </a:bodyPr>
-          <a:lstStyle/>
-          <a:p>
-            <a:pPr marL="306000" indent="-306000">
-              <a:spcBef>
-                <a:spcPct val="20000"/>
-              </a:spcBef>
-              <a:spcAft>
-                <a:spcPts val="600"/>
-              </a:spcAft>
-              <a:buClr>
-                <a:schemeClr val="accent1"/>
-              </a:buClr>
-              <a:buSzPct val="92000"/>
-              <a:buFont typeface="Wingdings 2" panose="05020102010507070707" pitchFamily="18" charset="2"/>
-              <a:buChar char=""/>
-            </a:pPr>
-            <a:r>
-              <a:rPr lang="en-US" altLang="zh-CN" dirty="0" err="1">
-                <a:solidFill>
-                  <a:schemeClr val="tx1">
-                    <a:lumMod val="75000"/>
-                    <a:lumOff val="25000"/>
-                  </a:schemeClr>
-                </a:solidFill>
-              </a:rPr>
-              <a:t>MapAlgebra</a:t>
-            </a:r>
-            <a:r>
-              <a:rPr lang="en-US" altLang="zh-CN" dirty="0">
-                <a:solidFill>
-                  <a:schemeClr val="tx1">
-                    <a:lumMod val="75000"/>
-                    <a:lumOff val="25000"/>
-                  </a:schemeClr>
-                </a:solidFill>
-              </a:rPr>
-              <a:t>: </a:t>
-            </a:r>
-            <a:r>
-              <a:rPr lang="en-US" altLang="zh-CN" dirty="0">
-                <a:solidFill>
-                  <a:schemeClr val="tx1">
-                    <a:lumMod val="75000"/>
-                    <a:lumOff val="25000"/>
-                  </a:schemeClr>
-                </a:solidFill>
-                <a:hlinkClick r:id="rId2">
-                  <a:extLst>
-                    <a:ext uri="{A12FA001-AC4F-418D-AE19-62706E023703}">
-                      <ahyp:hlinkClr xmlns:ahyp="http://schemas.microsoft.com/office/drawing/2018/hyperlinkcolor" val="tx"/>
-                    </a:ext>
-                  </a:extLst>
-                </a:hlinkClick>
-              </a:rPr>
-              <a:t>Documentation</a:t>
-            </a:r>
-            <a:endParaRPr lang="en-US" altLang="zh-CN" dirty="0">
-              <a:solidFill>
-                <a:schemeClr val="tx1">
-                  <a:lumMod val="75000"/>
-                  <a:lumOff val="25000"/>
-                </a:schemeClr>
-              </a:solidFill>
-            </a:endParaRPr>
-          </a:p>
-          <a:p>
-            <a:pPr marL="306000" indent="-306000">
-              <a:spcBef>
-                <a:spcPct val="20000"/>
-              </a:spcBef>
-              <a:spcAft>
-                <a:spcPts val="600"/>
-              </a:spcAft>
-              <a:buClr>
-                <a:schemeClr val="accent1"/>
-              </a:buClr>
-              <a:buSzPct val="92000"/>
-              <a:buFont typeface="Wingdings 2" panose="05020102010507070707" pitchFamily="18" charset="2"/>
-              <a:buChar char=""/>
-            </a:pPr>
-            <a:r>
-              <a:rPr lang="en-US" altLang="zh-CN" dirty="0">
-                <a:solidFill>
-                  <a:schemeClr val="tx1">
-                    <a:lumMod val="75000"/>
-                    <a:lumOff val="25000"/>
-                  </a:schemeClr>
-                </a:solidFill>
-              </a:rPr>
-              <a:t>Pixel type: </a:t>
-            </a:r>
-            <a:r>
-              <a:rPr lang="en-US" altLang="zh-CN" dirty="0">
-                <a:solidFill>
-                  <a:schemeClr val="tx1">
-                    <a:lumMod val="75000"/>
-                    <a:lumOff val="25000"/>
-                  </a:schemeClr>
-                </a:solidFill>
-                <a:hlinkClick r:id="rId3">
-                  <a:extLst>
-                    <a:ext uri="{A12FA001-AC4F-418D-AE19-62706E023703}">
-                      <ahyp:hlinkClr xmlns:ahyp="http://schemas.microsoft.com/office/drawing/2018/hyperlinkcolor" val="tx"/>
-                    </a:ext>
-                  </a:extLst>
-                </a:hlinkClick>
-              </a:rPr>
-              <a:t>https://postgis.net/docs/RT_ST_BandPixelType.html</a:t>
-            </a:r>
-            <a:endParaRPr lang="zh-CN" altLang="en-US" dirty="0">
-              <a:solidFill>
-                <a:schemeClr val="tx1">
-                  <a:lumMod val="75000"/>
-                  <a:lumOff val="25000"/>
-                </a:schemeClr>
-              </a:solidFill>
-            </a:endParaRPr>
-          </a:p>
-          <a:p>
-            <a:endParaRPr lang="zh-CN" altLang="en-US" dirty="0"/>
-          </a:p>
-        </p:txBody>
-      </p:sp>
-    </p:spTree>
-    <p:extLst>
-      <p:ext uri="{BB962C8B-B14F-4D97-AF65-F5344CB8AC3E}">
-        <p14:creationId xmlns:p14="http://schemas.microsoft.com/office/powerpoint/2010/main" val="4076680495"/>
-      </p:ext>
-    </p:extLst>
-  </p:cSld>
-  <p:clrMapOvr>
-    <a:masterClrMapping/>
-  </p:clrMapOvr>
-</p:sld>
-</file>
-
-<file path=ppt/slides/slide19.xml><?xml version="1.0" encoding="utf-8"?>
-<p:sld xmlns:a="http://schemas.openxmlformats.org/drawingml/2006/main" xmlns:r="http://schemas.openxmlformats.org/officeDocument/2006/relationships" xmlns:p="http://schemas.openxmlformats.org/presentationml/2006/main">
-  <p:cSld>
-    <p:spTree>
-      <p:nvGrpSpPr>
-        <p:cNvPr id="1" name=""/>
-        <p:cNvGrpSpPr/>
-        <p:nvPr/>
-      </p:nvGrpSpPr>
-      <p:grpSpPr>
-        <a:xfrm>
-          <a:off x="0" y="0"/>
-          <a:ext cx="0" cy="0"/>
-          <a:chOff x="0" y="0"/>
-          <a:chExt cx="0" cy="0"/>
-        </a:xfrm>
-      </p:grpSpPr>
-      <p:sp>
-        <p:nvSpPr>
-          <p:cNvPr id="2" name="Title 1">
-            <a:extLst>
-              <a:ext uri="{FF2B5EF4-FFF2-40B4-BE49-F238E27FC236}">
-                <a16:creationId xmlns:a16="http://schemas.microsoft.com/office/drawing/2014/main" id="{0307C73C-8FA7-70AE-A6B6-217146218CD0}"/>
-              </a:ext>
-            </a:extLst>
-          </p:cNvPr>
-          <p:cNvSpPr>
-            <a:spLocks noGrp="1"/>
-          </p:cNvSpPr>
-          <p:nvPr>
-            <p:ph type="title"/>
-          </p:nvPr>
-        </p:nvSpPr>
-        <p:spPr>
-          <a:xfrm>
-            <a:off x="581192" y="702156"/>
-            <a:ext cx="11029616" cy="614580"/>
-          </a:xfrm>
-        </p:spPr>
-        <p:txBody>
-          <a:bodyPr/>
-          <a:lstStyle/>
-          <a:p>
-            <a:r>
-              <a:rPr lang="en-US" altLang="zh-CN" dirty="0"/>
-              <a:t>Bare soil index 1</a:t>
-            </a:r>
-            <a:endParaRPr lang="zh-CN" altLang="en-US" dirty="0"/>
-          </a:p>
-        </p:txBody>
-      </p:sp>
-      <mc:AlternateContent xmlns:mc="http://schemas.openxmlformats.org/markup-compatibility/2006" xmlns:a14="http://schemas.microsoft.com/office/drawing/2010/main">
-        <mc:Choice Requires="a14">
-          <p:sp>
-            <p:nvSpPr>
-              <p:cNvPr id="3" name="Content Placeholder 2">
-                <a:extLst>
-                  <a:ext uri="{FF2B5EF4-FFF2-40B4-BE49-F238E27FC236}">
-                    <a16:creationId xmlns:a16="http://schemas.microsoft.com/office/drawing/2014/main" id="{75DE0D51-EB64-DF00-2C95-9E7679D9C97F}"/>
-                  </a:ext>
-                </a:extLst>
-              </p:cNvPr>
-              <p:cNvSpPr>
-                <a:spLocks noGrp="1"/>
-              </p:cNvSpPr>
-              <p:nvPr>
-                <p:ph idx="1"/>
-              </p:nvPr>
-            </p:nvSpPr>
-            <p:spPr>
-              <a:xfrm>
-                <a:off x="581192" y="1611757"/>
-                <a:ext cx="11029615" cy="3636899"/>
-              </a:xfrm>
-            </p:spPr>
-            <p:txBody>
-              <a:bodyPr>
-                <a:normAutofit/>
-              </a:bodyPr>
-              <a:lstStyle/>
-              <a:p>
-                <a:r>
-                  <a:rPr lang="en-US" altLang="zh-CN" b="0" dirty="0">
-                    <a:latin typeface="Cambria Math" panose="02040503050406030204" pitchFamily="18" charset="0"/>
-                  </a:rPr>
-                  <a:t>This index is designed to highlight bare soil or built-up areas in satellite imagery by comparing spectral responses in SWIR, Red, NIR, and Blue bands.</a:t>
-                </a:r>
-              </a:p>
-              <a:p>
-                <a14:m>
-                  <m:oMath xmlns:m="http://schemas.openxmlformats.org/officeDocument/2006/math">
-                    <m:r>
-                      <a:rPr lang="en-US" altLang="zh-CN" b="0" i="1" smtClean="0">
-                        <a:latin typeface="Cambria Math" panose="02040503050406030204" pitchFamily="18" charset="0"/>
-                      </a:rPr>
-                      <m:t>𝐵𝑆𝐼</m:t>
-                    </m:r>
-                    <m:r>
-                      <a:rPr lang="en-US" altLang="zh-CN" b="0" i="1" smtClean="0">
-                        <a:latin typeface="Cambria Math" panose="02040503050406030204" pitchFamily="18" charset="0"/>
-                      </a:rPr>
-                      <m:t>1=</m:t>
-                    </m:r>
-                    <m:f>
-                      <m:fPr>
-                        <m:ctrlPr>
-                          <a:rPr lang="en-US" altLang="zh-CN" b="0" i="1" smtClean="0">
-                            <a:latin typeface="Cambria Math" panose="02040503050406030204" pitchFamily="18" charset="0"/>
-                          </a:rPr>
-                        </m:ctrlPr>
-                      </m:fPr>
-                      <m:num>
-                        <m:d>
-                          <m:dPr>
-                            <m:ctrlPr>
-                              <a:rPr lang="en-US" altLang="zh-CN" b="0" i="1" smtClean="0">
-                                <a:latin typeface="Cambria Math" panose="02040503050406030204" pitchFamily="18" charset="0"/>
-                              </a:rPr>
-                            </m:ctrlPr>
-                          </m:dPr>
-                          <m:e>
-                            <m:r>
-                              <a:rPr lang="en-US" altLang="zh-CN" b="0" i="1" smtClean="0">
-                                <a:latin typeface="Cambria Math" panose="02040503050406030204" pitchFamily="18" charset="0"/>
-                              </a:rPr>
-                              <m:t>𝑆𝑊𝐼𝑅</m:t>
-                            </m:r>
-                            <m:r>
-                              <a:rPr lang="en-US" altLang="zh-CN" b="0" i="1" smtClean="0">
-                                <a:latin typeface="Cambria Math" panose="02040503050406030204" pitchFamily="18" charset="0"/>
-                              </a:rPr>
-                              <m:t>1+</m:t>
-                            </m:r>
-                            <m:r>
-                              <a:rPr lang="en-US" altLang="zh-CN" b="0" i="1" smtClean="0">
-                                <a:latin typeface="Cambria Math" panose="02040503050406030204" pitchFamily="18" charset="0"/>
-                              </a:rPr>
-                              <m:t>𝑅</m:t>
-                            </m:r>
-                          </m:e>
-                        </m:d>
-                        <m:r>
-                          <a:rPr lang="en-US" altLang="zh-CN" b="0" i="1" smtClean="0">
-                            <a:latin typeface="Cambria Math" panose="02040503050406030204" pitchFamily="18" charset="0"/>
-                          </a:rPr>
-                          <m:t>−</m:t>
-                        </m:r>
-                        <m:d>
-                          <m:dPr>
-                            <m:ctrlPr>
-                              <a:rPr lang="en-US" altLang="zh-CN" b="0" i="1" smtClean="0">
-                                <a:latin typeface="Cambria Math" panose="02040503050406030204" pitchFamily="18" charset="0"/>
-                              </a:rPr>
-                            </m:ctrlPr>
-                          </m:dPr>
-                          <m:e>
-                            <m:r>
-                              <a:rPr lang="en-US" altLang="zh-CN" b="0" i="1" smtClean="0">
-                                <a:latin typeface="Cambria Math" panose="02040503050406030204" pitchFamily="18" charset="0"/>
-                              </a:rPr>
-                              <m:t>𝑁𝐼𝑅</m:t>
-                            </m:r>
-                            <m:r>
-                              <a:rPr lang="en-US" altLang="zh-CN" b="0" i="1" smtClean="0">
-                                <a:latin typeface="Cambria Math" panose="02040503050406030204" pitchFamily="18" charset="0"/>
-                              </a:rPr>
-                              <m:t>+</m:t>
-                            </m:r>
-                            <m:r>
-                              <a:rPr lang="en-US" altLang="zh-CN" b="0" i="1" smtClean="0">
-                                <a:latin typeface="Cambria Math" panose="02040503050406030204" pitchFamily="18" charset="0"/>
-                              </a:rPr>
-                              <m:t>𝐵</m:t>
-                            </m:r>
-                          </m:e>
-                        </m:d>
-                      </m:num>
-                      <m:den>
-                        <m:d>
-                          <m:dPr>
-                            <m:ctrlPr>
-                              <a:rPr lang="en-US" altLang="zh-CN" i="1">
-                                <a:latin typeface="Cambria Math" panose="02040503050406030204" pitchFamily="18" charset="0"/>
-                              </a:rPr>
-                            </m:ctrlPr>
-                          </m:dPr>
-                          <m:e>
-                            <m:r>
-                              <a:rPr lang="en-US" altLang="zh-CN" i="1">
-                                <a:latin typeface="Cambria Math" panose="02040503050406030204" pitchFamily="18" charset="0"/>
-                              </a:rPr>
-                              <m:t>𝑆𝑊𝐼𝑅</m:t>
-                            </m:r>
-                            <m:r>
-                              <a:rPr lang="en-US" altLang="zh-CN" i="1">
-                                <a:latin typeface="Cambria Math" panose="02040503050406030204" pitchFamily="18" charset="0"/>
-                              </a:rPr>
-                              <m:t>1+</m:t>
-                            </m:r>
-                            <m:r>
-                              <a:rPr lang="en-US" altLang="zh-CN" i="1">
-                                <a:latin typeface="Cambria Math" panose="02040503050406030204" pitchFamily="18" charset="0"/>
-                              </a:rPr>
-                              <m:t>𝑅</m:t>
-                            </m:r>
-                          </m:e>
-                        </m:d>
-                        <m:r>
-                          <a:rPr lang="en-US" altLang="zh-CN" b="0" i="1" smtClean="0">
-                            <a:latin typeface="Cambria Math" panose="02040503050406030204" pitchFamily="18" charset="0"/>
-                          </a:rPr>
-                          <m:t>+</m:t>
-                        </m:r>
-                        <m:d>
-                          <m:dPr>
-                            <m:ctrlPr>
-                              <a:rPr lang="en-US" altLang="zh-CN" i="1">
-                                <a:latin typeface="Cambria Math" panose="02040503050406030204" pitchFamily="18" charset="0"/>
-                              </a:rPr>
-                            </m:ctrlPr>
-                          </m:dPr>
-                          <m:e>
-                            <m:r>
-                              <a:rPr lang="en-US" altLang="zh-CN" i="1">
-                                <a:latin typeface="Cambria Math" panose="02040503050406030204" pitchFamily="18" charset="0"/>
-                              </a:rPr>
-                              <m:t>𝑁𝐼𝑅</m:t>
-                            </m:r>
-                            <m:r>
-                              <a:rPr lang="en-US" altLang="zh-CN" i="1">
-                                <a:latin typeface="Cambria Math" panose="02040503050406030204" pitchFamily="18" charset="0"/>
-                              </a:rPr>
-                              <m:t>+</m:t>
-                            </m:r>
-                            <m:r>
-                              <a:rPr lang="en-US" altLang="zh-CN" i="1">
-                                <a:latin typeface="Cambria Math" panose="02040503050406030204" pitchFamily="18" charset="0"/>
-                              </a:rPr>
-                              <m:t>𝐵</m:t>
-                            </m:r>
-                          </m:e>
-                        </m:d>
-                      </m:den>
-                    </m:f>
-                  </m:oMath>
-                </a14:m>
-                <a:endParaRPr lang="en-US" altLang="zh-CN" b="0" dirty="0"/>
-              </a:p>
-              <a:p>
-                <a:endParaRPr lang="en-US" altLang="zh-CN" b="0" dirty="0"/>
-              </a:p>
-              <a:p>
-                <a:r>
-                  <a:rPr lang="en-US" altLang="zh-CN" b="0" dirty="0"/>
-                  <a:t>The output is normalized because it divides the difference by the sum, just like NDVI.</a:t>
-                </a:r>
-              </a:p>
-              <a:p>
-                <a:endParaRPr lang="en-US" altLang="zh-CN" b="0" dirty="0"/>
-              </a:p>
-              <a:p>
-                <a:r>
-                  <a:rPr lang="en-US" altLang="zh-CN" b="0" dirty="0"/>
-                  <a:t>This ensures all values fall between -1 and +1.</a:t>
-                </a:r>
-              </a:p>
-              <a:p>
-                <a:endParaRPr lang="zh-CN" altLang="en-US" dirty="0"/>
-              </a:p>
-            </p:txBody>
-          </p:sp>
-        </mc:Choice>
-        <mc:Fallback xmlns="">
-          <p:sp>
-            <p:nvSpPr>
-              <p:cNvPr id="3" name="Content Placeholder 2">
-                <a:extLst>
-                  <a:ext uri="{FF2B5EF4-FFF2-40B4-BE49-F238E27FC236}">
-                    <a16:creationId xmlns:a16="http://schemas.microsoft.com/office/drawing/2014/main" id="{75DE0D51-EB64-DF00-2C95-9E7679D9C97F}"/>
-                  </a:ext>
-                </a:extLst>
-              </p:cNvPr>
-              <p:cNvSpPr>
-                <a:spLocks noGrp="1" noRot="1" noChangeAspect="1" noMove="1" noResize="1" noEditPoints="1" noAdjustHandles="1" noChangeArrowheads="1" noChangeShapeType="1" noTextEdit="1"/>
-              </p:cNvSpPr>
-              <p:nvPr>
-                <p:ph idx="1"/>
-              </p:nvPr>
-            </p:nvSpPr>
-            <p:spPr>
-              <a:xfrm>
-                <a:off x="581192" y="1611757"/>
-                <a:ext cx="11029615" cy="3636899"/>
-              </a:xfrm>
-              <a:blipFill>
-                <a:blip r:embed="rId2"/>
-                <a:stretch>
-                  <a:fillRect l="-221"/>
-                </a:stretch>
-              </a:blipFill>
-            </p:spPr>
-            <p:txBody>
-              <a:bodyPr/>
-              <a:lstStyle/>
-              <a:p>
-                <a:r>
-                  <a:rPr lang="zh-CN" altLang="en-US">
-                    <a:noFill/>
-                  </a:rPr>
-                  <a:t> </a:t>
-                </a:r>
-              </a:p>
-            </p:txBody>
-          </p:sp>
-        </mc:Fallback>
-      </mc:AlternateContent>
-      <p:sp>
-        <p:nvSpPr>
-          <p:cNvPr id="4" name="Footer Placeholder 3">
-            <a:extLst>
-              <a:ext uri="{FF2B5EF4-FFF2-40B4-BE49-F238E27FC236}">
-                <a16:creationId xmlns:a16="http://schemas.microsoft.com/office/drawing/2014/main" id="{75E71DD6-BD5B-83E2-C6E1-15F890390237}"/>
-              </a:ext>
-            </a:extLst>
-          </p:cNvPr>
-          <p:cNvSpPr>
-            <a:spLocks noGrp="1"/>
-          </p:cNvSpPr>
-          <p:nvPr>
-            <p:ph type="ftr" sz="quarter" idx="11"/>
-          </p:nvPr>
-        </p:nvSpPr>
-        <p:spPr>
-          <a:xfrm>
-            <a:off x="581192" y="6341618"/>
-            <a:ext cx="10958536" cy="365125"/>
-          </a:xfrm>
-        </p:spPr>
-        <p:txBody>
-          <a:bodyPr/>
-          <a:lstStyle/>
-          <a:p>
-            <a:r>
-              <a:rPr lang="en-US" dirty="0"/>
-              <a:t>Paper Source: https://ieeexplore.ieee.org/abstract/document/1370429?casa_token=PCA1YivOCE0AAAAA:4u19dHShzdo7UU2hTP--TGY7u9IZx1FRTrT5orbsHDXak6CX6zO0lqUZQIlfWNoyE_laL-yj0g</a:t>
-            </a:r>
-          </a:p>
-        </p:txBody>
-      </p:sp>
-    </p:spTree>
-    <p:extLst>
-      <p:ext uri="{BB962C8B-B14F-4D97-AF65-F5344CB8AC3E}">
-        <p14:creationId xmlns:p14="http://schemas.microsoft.com/office/powerpoint/2010/main" val="3806609636"/>
       </p:ext>
     </p:extLst>
   </p:cSld>
